--- a/产品手册/PLx00/PL系列源表操作手册v1.0.1.pptx
+++ b/产品手册/PLx00/PL系列源表操作手册v1.0.1.pptx
@@ -17,6 +17,10 @@
     <p:sldId id="268" r:id="rId10"/>
     <p:sldId id="280" r:id="rId11"/>
     <p:sldId id="271" r:id="rId12"/>
+    <p:sldId id="283" r:id="rId13"/>
+    <p:sldId id="284" r:id="rId14"/>
+    <p:sldId id="285" r:id="rId15"/>
+    <p:sldId id="282" r:id="rId16"/>
   </p:sldIdLst>
   <p:sldSz cx="6858000" cy="9902825"/>
   <p:notesSz cx="6858000" cy="9144000"/>
@@ -4820,6 +4824,1373 @@
 </p:sld>
 </file>
 
+<file path=ppt/slides/slide10.xml><?xml version="1.0" encoding="utf-8"?>
+<p:sld xmlns:a="http://schemas.openxmlformats.org/drawingml/2006/main" xmlns:r="http://schemas.openxmlformats.org/officeDocument/2006/relationships" xmlns:p="http://schemas.openxmlformats.org/presentationml/2006/main">
+  <p:cSld>
+    <p:spTree>
+      <p:nvGrpSpPr>
+        <p:cNvPr id="1" name=""/>
+        <p:cNvGrpSpPr/>
+        <p:nvPr/>
+      </p:nvGrpSpPr>
+      <p:grpSpPr/>
+      <p:sp>
+        <p:nvSpPr>
+          <p:cNvPr id="20484" name="文本框 2"/>
+          <p:cNvSpPr txBox="1"/>
+          <p:nvPr/>
+        </p:nvSpPr>
+        <p:spPr>
+          <a:xfrm>
+            <a:off x="492125" y="1012825"/>
+            <a:ext cx="1217295" cy="440690"/>
+          </a:xfrm>
+          <a:prstGeom prst="rect">
+            <a:avLst/>
+          </a:prstGeom>
+          <a:noFill/>
+          <a:ln w="9525">
+            <a:noFill/>
+          </a:ln>
+        </p:spPr>
+        <p:txBody>
+          <a:bodyPr wrap="square" tIns="179705" anchor="t">
+            <a:spAutoFit/>
+          </a:bodyPr>
+          <a:p>
+            <a:pPr>
+              <a:buSzTx/>
+            </a:pPr>
+            <a:r>
+              <a:rPr lang="en-US" altLang="zh-CN" sz="1400" b="1">
+                <a:solidFill>
+                  <a:srgbClr val="1B3B7C"/>
+                </a:solidFill>
+                <a:latin typeface="微软雅黑" panose="020B0503020204020204" charset="-122"/>
+                <a:ea typeface="微软雅黑" panose="020B0503020204020204" charset="-122"/>
+              </a:rPr>
+              <a:t>3</a:t>
+            </a:r>
+            <a:r>
+              <a:rPr lang="zh-CN" altLang="en-US" sz="1400" b="1">
+                <a:solidFill>
+                  <a:srgbClr val="1B3B7C"/>
+                </a:solidFill>
+                <a:latin typeface="微软雅黑" panose="020B0503020204020204" charset="-122"/>
+                <a:ea typeface="微软雅黑" panose="020B0503020204020204" charset="-122"/>
+              </a:rPr>
+              <a:t>.3 输出设置</a:t>
+            </a:r>
+            <a:endParaRPr lang="zh-CN" altLang="en-US" sz="1400" b="1">
+              <a:solidFill>
+                <a:srgbClr val="1B3B7C"/>
+              </a:solidFill>
+              <a:latin typeface="微软雅黑" panose="020B0503020204020204" charset="-122"/>
+              <a:ea typeface="微软雅黑" panose="020B0503020204020204" charset="-122"/>
+            </a:endParaRPr>
+          </a:p>
+        </p:txBody>
+      </p:sp>
+      <p:sp>
+        <p:nvSpPr>
+          <p:cNvPr id="19460" name="文本框 99"/>
+          <p:cNvSpPr txBox="1"/>
+          <p:nvPr/>
+        </p:nvSpPr>
+        <p:spPr>
+          <a:xfrm>
+            <a:off x="1068388" y="1453515"/>
+            <a:ext cx="5715000" cy="509270"/>
+          </a:xfrm>
+          <a:prstGeom prst="rect">
+            <a:avLst/>
+          </a:prstGeom>
+          <a:noFill/>
+          <a:ln w="9525">
+            <a:noFill/>
+          </a:ln>
+        </p:spPr>
+        <p:txBody>
+          <a:bodyPr wrap="square" lIns="179705" tIns="144145" rIns="179705" bIns="144145" anchor="t">
+            <a:spAutoFit/>
+          </a:bodyPr>
+          <a:p>
+            <a:pPr>
+              <a:lnSpc>
+                <a:spcPct val="120000"/>
+              </a:lnSpc>
+              <a:spcAft>
+                <a:spcPts val="600"/>
+              </a:spcAft>
+              <a:buSzTx/>
+            </a:pPr>
+            <a:r>
+              <a:rPr lang="zh-CN" altLang="en-US" sz="1200">
+                <a:latin typeface="微软雅黑" panose="020B0503020204020204" charset="-122"/>
+                <a:ea typeface="微软雅黑" panose="020B0503020204020204" charset="-122"/>
+                <a:sym typeface="宋体" panose="02010600030101010101" pitchFamily="2" charset="-122"/>
+              </a:rPr>
+              <a:t>输出设置操作页面，如图</a:t>
+            </a:r>
+            <a:r>
+              <a:rPr lang="en-US" altLang="zh-CN" sz="1200">
+                <a:latin typeface="微软雅黑" panose="020B0503020204020204" charset="-122"/>
+                <a:ea typeface="微软雅黑" panose="020B0503020204020204" charset="-122"/>
+                <a:sym typeface="宋体" panose="02010600030101010101" pitchFamily="2" charset="-122"/>
+              </a:rPr>
+              <a:t>3</a:t>
+            </a:r>
+            <a:r>
+              <a:rPr lang="zh-CN" altLang="en-US" sz="1200">
+                <a:latin typeface="微软雅黑" panose="020B0503020204020204" charset="-122"/>
+                <a:ea typeface="微软雅黑" panose="020B0503020204020204" charset="-122"/>
+                <a:sym typeface="宋体" panose="02010600030101010101" pitchFamily="2" charset="-122"/>
+              </a:rPr>
+              <a:t>.</a:t>
+            </a:r>
+            <a:r>
+              <a:rPr lang="en-US" altLang="zh-CN" sz="1200">
+                <a:latin typeface="微软雅黑" panose="020B0503020204020204" charset="-122"/>
+                <a:ea typeface="微软雅黑" panose="020B0503020204020204" charset="-122"/>
+                <a:sym typeface="宋体" panose="02010600030101010101" pitchFamily="2" charset="-122"/>
+              </a:rPr>
+              <a:t>3</a:t>
+            </a:r>
+            <a:r>
+              <a:rPr lang="zh-CN" altLang="en-US" sz="1200">
+                <a:latin typeface="微软雅黑" panose="020B0503020204020204" charset="-122"/>
+                <a:ea typeface="微软雅黑" panose="020B0503020204020204" charset="-122"/>
+                <a:sym typeface="宋体" panose="02010600030101010101" pitchFamily="2" charset="-122"/>
+              </a:rPr>
+              <a:t>所示</a:t>
+            </a:r>
+            <a:endParaRPr lang="zh-CN" altLang="en-US" sz="1200">
+              <a:latin typeface="微软雅黑" panose="020B0503020204020204" charset="-122"/>
+              <a:ea typeface="微软雅黑" panose="020B0503020204020204" charset="-122"/>
+              <a:sym typeface="宋体" panose="02010600030101010101" pitchFamily="2" charset="-122"/>
+            </a:endParaRPr>
+          </a:p>
+        </p:txBody>
+      </p:sp>
+      <p:pic>
+        <p:nvPicPr>
+          <p:cNvPr id="4" name="图片 3"/>
+          <p:cNvPicPr>
+            <a:picLocks noChangeAspect="1"/>
+          </p:cNvPicPr>
+          <p:nvPr/>
+        </p:nvPicPr>
+        <p:blipFill>
+          <a:blip r:embed="rId1"/>
+          <a:stretch>
+            <a:fillRect/>
+          </a:stretch>
+        </p:blipFill>
+        <p:spPr>
+          <a:xfrm>
+            <a:off x="1311275" y="2056130"/>
+            <a:ext cx="4322445" cy="3235325"/>
+          </a:xfrm>
+          <a:prstGeom prst="rect">
+            <a:avLst/>
+          </a:prstGeom>
+        </p:spPr>
+      </p:pic>
+      <p:sp>
+        <p:nvSpPr>
+          <p:cNvPr id="19464" name="文本框 2"/>
+          <p:cNvSpPr txBox="1"/>
+          <p:nvPr/>
+        </p:nvSpPr>
+        <p:spPr>
+          <a:xfrm>
+            <a:off x="2578418" y="5471795"/>
+            <a:ext cx="1700212" cy="275590"/>
+          </a:xfrm>
+          <a:prstGeom prst="rect">
+            <a:avLst/>
+          </a:prstGeom>
+          <a:noFill/>
+          <a:ln w="9525">
+            <a:noFill/>
+          </a:ln>
+        </p:spPr>
+        <p:txBody>
+          <a:bodyPr wrap="square" anchor="t">
+            <a:spAutoFit/>
+          </a:bodyPr>
+          <a:p>
+            <a:pPr algn="ctr"/>
+            <a:r>
+              <a:rPr lang="zh-CN" altLang="zh-CN" sz="1200">
+                <a:latin typeface="微软雅黑" panose="020B0503020204020204" charset="-122"/>
+                <a:ea typeface="微软雅黑" panose="020B0503020204020204" charset="-122"/>
+              </a:rPr>
+              <a:t>图</a:t>
+            </a:r>
+            <a:r>
+              <a:rPr lang="en-US" altLang="zh-CN" sz="1200">
+                <a:latin typeface="微软雅黑" panose="020B0503020204020204" charset="-122"/>
+                <a:ea typeface="微软雅黑" panose="020B0503020204020204" charset="-122"/>
+              </a:rPr>
+              <a:t>3.3 </a:t>
+            </a:r>
+            <a:r>
+              <a:rPr lang="zh-CN" altLang="en-US" sz="1200">
+                <a:latin typeface="微软雅黑" panose="020B0503020204020204" charset="-122"/>
+                <a:ea typeface="微软雅黑" panose="020B0503020204020204" charset="-122"/>
+              </a:rPr>
+              <a:t>输出设置界面</a:t>
+            </a:r>
+            <a:endParaRPr lang="zh-CN" altLang="en-US" sz="1200">
+              <a:latin typeface="微软雅黑" panose="020B0503020204020204" charset="-122"/>
+              <a:ea typeface="微软雅黑" panose="020B0503020204020204" charset="-122"/>
+            </a:endParaRPr>
+          </a:p>
+        </p:txBody>
+      </p:sp>
+    </p:spTree>
+  </p:cSld>
+  <p:clrMapOvr>
+    <a:masterClrMapping/>
+  </p:clrMapOvr>
+</p:sld>
+</file>
+
+<file path=ppt/slides/slide11.xml><?xml version="1.0" encoding="utf-8"?>
+<p:sld xmlns:a="http://schemas.openxmlformats.org/drawingml/2006/main" xmlns:r="http://schemas.openxmlformats.org/officeDocument/2006/relationships" xmlns:p="http://schemas.openxmlformats.org/presentationml/2006/main">
+  <p:cSld>
+    <p:spTree>
+      <p:nvGrpSpPr>
+        <p:cNvPr id="1" name=""/>
+        <p:cNvGrpSpPr/>
+        <p:nvPr/>
+      </p:nvGrpSpPr>
+      <p:grpSpPr/>
+      <p:sp>
+        <p:nvSpPr>
+          <p:cNvPr id="5" name="文本框 2"/>
+          <p:cNvSpPr txBox="1"/>
+          <p:nvPr/>
+        </p:nvSpPr>
+        <p:spPr>
+          <a:xfrm>
+            <a:off x="370205" y="865505"/>
+            <a:ext cx="1217295" cy="440690"/>
+          </a:xfrm>
+          <a:prstGeom prst="rect">
+            <a:avLst/>
+          </a:prstGeom>
+          <a:noFill/>
+          <a:ln w="9525">
+            <a:noFill/>
+          </a:ln>
+        </p:spPr>
+        <p:txBody>
+          <a:bodyPr wrap="none" tIns="179705" anchor="t">
+            <a:spAutoFit/>
+          </a:bodyPr>
+          <a:p>
+            <a:pPr>
+              <a:buSzTx/>
+            </a:pPr>
+            <a:r>
+              <a:rPr lang="en-US" altLang="zh-CN" sz="1400" b="1">
+                <a:solidFill>
+                  <a:srgbClr val="1B3B7C"/>
+                </a:solidFill>
+                <a:latin typeface="微软雅黑" panose="020B0503020204020204" charset="-122"/>
+                <a:ea typeface="微软雅黑" panose="020B0503020204020204" charset="-122"/>
+              </a:rPr>
+              <a:t>3</a:t>
+            </a:r>
+            <a:r>
+              <a:rPr lang="zh-CN" altLang="en-US" sz="1400" b="1">
+                <a:solidFill>
+                  <a:srgbClr val="1B3B7C"/>
+                </a:solidFill>
+                <a:latin typeface="微软雅黑" panose="020B0503020204020204" charset="-122"/>
+                <a:ea typeface="微软雅黑" panose="020B0503020204020204" charset="-122"/>
+              </a:rPr>
+              <a:t>.</a:t>
+            </a:r>
+            <a:r>
+              <a:rPr lang="en-US" altLang="zh-CN" sz="1400" b="1">
+                <a:solidFill>
+                  <a:srgbClr val="1B3B7C"/>
+                </a:solidFill>
+                <a:latin typeface="微软雅黑" panose="020B0503020204020204" charset="-122"/>
+                <a:ea typeface="微软雅黑" panose="020B0503020204020204" charset="-122"/>
+              </a:rPr>
+              <a:t>4</a:t>
+            </a:r>
+            <a:r>
+              <a:rPr lang="zh-CN" altLang="en-US" sz="1400" b="1">
+                <a:solidFill>
+                  <a:srgbClr val="1B3B7C"/>
+                </a:solidFill>
+                <a:latin typeface="微软雅黑" panose="020B0503020204020204" charset="-122"/>
+                <a:ea typeface="微软雅黑" panose="020B0503020204020204" charset="-122"/>
+              </a:rPr>
+              <a:t> 版本升级</a:t>
+            </a:r>
+            <a:endParaRPr lang="zh-CN" altLang="en-US" sz="1400" b="1">
+              <a:solidFill>
+                <a:srgbClr val="1B3B7C"/>
+              </a:solidFill>
+              <a:latin typeface="微软雅黑" panose="020B0503020204020204" charset="-122"/>
+              <a:ea typeface="微软雅黑" panose="020B0503020204020204" charset="-122"/>
+            </a:endParaRPr>
+          </a:p>
+        </p:txBody>
+      </p:sp>
+      <p:sp>
+        <p:nvSpPr>
+          <p:cNvPr id="20483" name="文本框 99"/>
+          <p:cNvSpPr txBox="1"/>
+          <p:nvPr/>
+        </p:nvSpPr>
+        <p:spPr>
+          <a:xfrm>
+            <a:off x="748983" y="1306195"/>
+            <a:ext cx="5689600" cy="1326515"/>
+          </a:xfrm>
+          <a:prstGeom prst="rect">
+            <a:avLst/>
+          </a:prstGeom>
+          <a:noFill/>
+          <a:ln w="9525">
+            <a:noFill/>
+          </a:ln>
+        </p:spPr>
+        <p:txBody>
+          <a:bodyPr wrap="square" lIns="179705" tIns="144145" rIns="179705" bIns="144145" anchor="t">
+            <a:spAutoFit/>
+          </a:bodyPr>
+          <a:p>
+            <a:pPr>
+              <a:lnSpc>
+                <a:spcPct val="120000"/>
+              </a:lnSpc>
+              <a:spcAft>
+                <a:spcPts val="600"/>
+              </a:spcAft>
+              <a:buSzTx/>
+            </a:pPr>
+            <a:r>
+              <a:rPr lang="en-US" altLang="zh-CN" sz="1200" dirty="0" smtClean="0">
+                <a:latin typeface="微软雅黑" panose="020B0503020204020204" charset="-122"/>
+                <a:ea typeface="微软雅黑" panose="020B0503020204020204" charset="-122"/>
+                <a:sym typeface="宋体" panose="02010600030101010101" pitchFamily="2" charset="-122"/>
+              </a:rPr>
+              <a:t>1</a:t>
+            </a:r>
+            <a:r>
+              <a:rPr lang="en-US" altLang="zh-CN" sz="1200" dirty="0">
+                <a:latin typeface="微软雅黑" panose="020B0503020204020204" charset="-122"/>
+                <a:ea typeface="微软雅黑" panose="020B0503020204020204" charset="-122"/>
+                <a:sym typeface="宋体" panose="02010600030101010101" pitchFamily="2" charset="-122"/>
+              </a:rPr>
+              <a:t>. </a:t>
+            </a:r>
+            <a:r>
+              <a:rPr lang="zh-CN" altLang="en-US" sz="1200" dirty="0">
+                <a:latin typeface="微软雅黑" panose="020B0503020204020204" charset="-122"/>
+                <a:ea typeface="微软雅黑" panose="020B0503020204020204" charset="-122"/>
+                <a:sym typeface="宋体" panose="02010600030101010101" pitchFamily="2" charset="-122"/>
+              </a:rPr>
+              <a:t>先准备好一个</a:t>
+            </a:r>
+            <a:r>
+              <a:rPr lang="en-US" altLang="zh-CN" sz="1200" dirty="0">
+                <a:latin typeface="微软雅黑" panose="020B0503020204020204" charset="-122"/>
+                <a:ea typeface="微软雅黑" panose="020B0503020204020204" charset="-122"/>
+                <a:sym typeface="宋体" panose="02010600030101010101" pitchFamily="2" charset="-122"/>
+              </a:rPr>
+              <a:t>U</a:t>
+            </a:r>
+            <a:r>
+              <a:rPr lang="zh-CN" altLang="en-US" sz="1200" dirty="0">
+                <a:latin typeface="微软雅黑" panose="020B0503020204020204" charset="-122"/>
+                <a:ea typeface="微软雅黑" panose="020B0503020204020204" charset="-122"/>
+                <a:sym typeface="宋体" panose="02010600030101010101" pitchFamily="2" charset="-122"/>
+              </a:rPr>
+              <a:t>盘</a:t>
+            </a:r>
+            <a:endParaRPr lang="zh-CN" altLang="en-US" sz="1200" dirty="0">
+              <a:latin typeface="微软雅黑" panose="020B0503020204020204" charset="-122"/>
+              <a:ea typeface="微软雅黑" panose="020B0503020204020204" charset="-122"/>
+              <a:sym typeface="宋体" panose="02010600030101010101" pitchFamily="2" charset="-122"/>
+            </a:endParaRPr>
+          </a:p>
+          <a:p>
+            <a:pPr>
+              <a:lnSpc>
+                <a:spcPct val="120000"/>
+              </a:lnSpc>
+              <a:spcAft>
+                <a:spcPts val="600"/>
+              </a:spcAft>
+              <a:buSzTx/>
+            </a:pPr>
+            <a:r>
+              <a:rPr lang="en-US" altLang="zh-CN" sz="1200" dirty="0">
+                <a:latin typeface="微软雅黑" panose="020B0503020204020204" charset="-122"/>
+                <a:ea typeface="微软雅黑" panose="020B0503020204020204" charset="-122"/>
+                <a:sym typeface="宋体" panose="02010600030101010101" pitchFamily="2" charset="-122"/>
+              </a:rPr>
+              <a:t>2. </a:t>
+            </a:r>
+            <a:r>
+              <a:rPr lang="zh-CN" altLang="en-US" sz="1200" dirty="0">
+                <a:latin typeface="微软雅黑" panose="020B0503020204020204" charset="-122"/>
+                <a:ea typeface="微软雅黑" panose="020B0503020204020204" charset="-122"/>
+                <a:sym typeface="宋体" panose="02010600030101010101" pitchFamily="2" charset="-122"/>
+              </a:rPr>
+              <a:t>向厂家索要最新升级包</a:t>
+            </a:r>
+            <a:endParaRPr lang="zh-CN" altLang="en-US" sz="1200" dirty="0">
+              <a:latin typeface="微软雅黑" panose="020B0503020204020204" charset="-122"/>
+              <a:ea typeface="微软雅黑" panose="020B0503020204020204" charset="-122"/>
+              <a:sym typeface="宋体" panose="02010600030101010101" pitchFamily="2" charset="-122"/>
+            </a:endParaRPr>
+          </a:p>
+          <a:p>
+            <a:pPr>
+              <a:lnSpc>
+                <a:spcPct val="120000"/>
+              </a:lnSpc>
+              <a:spcAft>
+                <a:spcPts val="600"/>
+              </a:spcAft>
+              <a:buSzTx/>
+            </a:pPr>
+            <a:r>
+              <a:rPr lang="en-US" altLang="zh-CN" sz="1200" dirty="0">
+                <a:latin typeface="微软雅黑" panose="020B0503020204020204" charset="-122"/>
+                <a:ea typeface="微软雅黑" panose="020B0503020204020204" charset="-122"/>
+                <a:sym typeface="宋体" panose="02010600030101010101" pitchFamily="2" charset="-122"/>
+              </a:rPr>
+              <a:t>3. </a:t>
+            </a:r>
+            <a:r>
+              <a:rPr lang="zh-CN" altLang="en-US" sz="1200" dirty="0">
+                <a:latin typeface="微软雅黑" panose="020B0503020204020204" charset="-122"/>
+                <a:ea typeface="微软雅黑" panose="020B0503020204020204" charset="-122"/>
+                <a:sym typeface="宋体" panose="02010600030101010101" pitchFamily="2" charset="-122"/>
+              </a:rPr>
+              <a:t>随后将厂家发送的升级文件压缩包解压，解压得到一个名为</a:t>
+            </a:r>
+            <a:r>
+              <a:rPr lang="en-US" altLang="zh-CN" sz="1200" dirty="0" err="1">
+                <a:latin typeface="微软雅黑" panose="020B0503020204020204" charset="-122"/>
+                <a:ea typeface="微软雅黑" panose="020B0503020204020204" charset="-122"/>
+                <a:sym typeface="宋体" panose="02010600030101010101" pitchFamily="2" charset="-122"/>
+              </a:rPr>
+              <a:t>PssImages</a:t>
+            </a:r>
+            <a:r>
+              <a:rPr lang="zh-CN" altLang="en-US" sz="1200" dirty="0">
+                <a:latin typeface="微软雅黑" panose="020B0503020204020204" charset="-122"/>
+                <a:ea typeface="微软雅黑" panose="020B0503020204020204" charset="-122"/>
+                <a:sym typeface="宋体" panose="02010600030101010101" pitchFamily="2" charset="-122"/>
+              </a:rPr>
+              <a:t>的文件夹，文件夹内包含升级文件，如图</a:t>
+            </a:r>
+            <a:r>
+              <a:rPr lang="en-US" altLang="zh-CN" sz="1200" dirty="0">
+                <a:latin typeface="微软雅黑" panose="020B0503020204020204" charset="-122"/>
+                <a:ea typeface="微软雅黑" panose="020B0503020204020204" charset="-122"/>
+                <a:sym typeface="宋体" panose="02010600030101010101" pitchFamily="2" charset="-122"/>
+              </a:rPr>
+              <a:t>3.4</a:t>
+            </a:r>
+            <a:r>
+              <a:rPr lang="zh-CN" altLang="en-US" sz="1200" dirty="0">
+                <a:latin typeface="微软雅黑" panose="020B0503020204020204" charset="-122"/>
+                <a:ea typeface="微软雅黑" panose="020B0503020204020204" charset="-122"/>
+                <a:sym typeface="宋体" panose="02010600030101010101" pitchFamily="2" charset="-122"/>
+              </a:rPr>
+              <a:t>（</a:t>
+            </a:r>
+            <a:r>
+              <a:rPr lang="en-US" altLang="zh-CN" sz="1200" dirty="0">
+                <a:latin typeface="微软雅黑" panose="020B0503020204020204" charset="-122"/>
+                <a:ea typeface="微软雅黑" panose="020B0503020204020204" charset="-122"/>
+                <a:sym typeface="宋体" panose="02010600030101010101" pitchFamily="2" charset="-122"/>
+              </a:rPr>
+              <a:t>1</a:t>
+            </a:r>
+            <a:r>
+              <a:rPr lang="zh-CN" altLang="en-US" sz="1200" dirty="0">
+                <a:latin typeface="微软雅黑" panose="020B0503020204020204" charset="-122"/>
+                <a:ea typeface="微软雅黑" panose="020B0503020204020204" charset="-122"/>
+                <a:sym typeface="宋体" panose="02010600030101010101" pitchFamily="2" charset="-122"/>
+              </a:rPr>
+              <a:t>）所示：</a:t>
+            </a:r>
+            <a:endParaRPr lang="zh-CN" altLang="en-US" sz="1200" dirty="0">
+              <a:latin typeface="微软雅黑" panose="020B0503020204020204" charset="-122"/>
+              <a:ea typeface="微软雅黑" panose="020B0503020204020204" charset="-122"/>
+              <a:sym typeface="宋体" panose="02010600030101010101" pitchFamily="2" charset="-122"/>
+            </a:endParaRPr>
+          </a:p>
+        </p:txBody>
+      </p:sp>
+      <p:pic>
+        <p:nvPicPr>
+          <p:cNvPr id="3" name="图片 2"/>
+          <p:cNvPicPr>
+            <a:picLocks noChangeAspect="1"/>
+          </p:cNvPicPr>
+          <p:nvPr/>
+        </p:nvPicPr>
+        <p:blipFill>
+          <a:blip r:embed="rId1"/>
+          <a:stretch>
+            <a:fillRect/>
+          </a:stretch>
+        </p:blipFill>
+        <p:spPr>
+          <a:xfrm>
+            <a:off x="1163320" y="2849880"/>
+            <a:ext cx="5004435" cy="2102485"/>
+          </a:xfrm>
+          <a:prstGeom prst="rect">
+            <a:avLst/>
+          </a:prstGeom>
+          <a:effectLst>
+            <a:glow rad="127000">
+              <a:srgbClr val="0070C0"/>
+            </a:glow>
+            <a:outerShdw blurRad="50800" dist="50800" dir="5400000" algn="ctr" rotWithShape="0">
+              <a:schemeClr val="accent6">
+                <a:alpha val="100000"/>
+              </a:schemeClr>
+            </a:outerShdw>
+          </a:effectLst>
+        </p:spPr>
+      </p:pic>
+      <p:sp>
+        <p:nvSpPr>
+          <p:cNvPr id="8" name="文本框 9"/>
+          <p:cNvSpPr txBox="1"/>
+          <p:nvPr/>
+        </p:nvSpPr>
+        <p:spPr>
+          <a:xfrm>
+            <a:off x="2543810" y="5270162"/>
+            <a:ext cx="2100263" cy="275590"/>
+          </a:xfrm>
+          <a:prstGeom prst="rect">
+            <a:avLst/>
+          </a:prstGeom>
+          <a:noFill/>
+          <a:ln w="9525">
+            <a:noFill/>
+          </a:ln>
+        </p:spPr>
+        <p:txBody>
+          <a:bodyPr wrap="square" anchor="t">
+            <a:spAutoFit/>
+          </a:bodyPr>
+          <a:p>
+            <a:pPr algn="ctr"/>
+            <a:r>
+              <a:rPr lang="zh-CN" altLang="zh-CN" sz="1200" dirty="0">
+                <a:latin typeface="微软雅黑" panose="020B0503020204020204" charset="-122"/>
+                <a:ea typeface="微软雅黑" panose="020B0503020204020204" charset="-122"/>
+              </a:rPr>
+              <a:t>图</a:t>
+            </a:r>
+            <a:r>
+              <a:rPr lang="en-US" altLang="zh-CN" sz="1200" dirty="0">
+                <a:latin typeface="微软雅黑" panose="020B0503020204020204" charset="-122"/>
+                <a:ea typeface="微软雅黑" panose="020B0503020204020204" charset="-122"/>
+              </a:rPr>
+              <a:t>3.4(1)  </a:t>
+            </a:r>
+            <a:r>
+              <a:rPr lang="zh-CN" altLang="en-US" sz="1200" dirty="0">
+                <a:latin typeface="微软雅黑" panose="020B0503020204020204" charset="-122"/>
+                <a:ea typeface="微软雅黑" panose="020B0503020204020204" charset="-122"/>
+              </a:rPr>
+              <a:t>升级文件夹内容</a:t>
+            </a:r>
+            <a:endParaRPr lang="zh-CN" altLang="en-US" sz="1200" dirty="0">
+              <a:latin typeface="微软雅黑" panose="020B0503020204020204" charset="-122"/>
+              <a:ea typeface="微软雅黑" panose="020B0503020204020204" charset="-122"/>
+            </a:endParaRPr>
+          </a:p>
+        </p:txBody>
+      </p:sp>
+      <p:sp>
+        <p:nvSpPr>
+          <p:cNvPr id="6" name="文本框 99"/>
+          <p:cNvSpPr txBox="1"/>
+          <p:nvPr/>
+        </p:nvSpPr>
+        <p:spPr>
+          <a:xfrm>
+            <a:off x="891858" y="5712460"/>
+            <a:ext cx="5689600" cy="1105535"/>
+          </a:xfrm>
+          <a:prstGeom prst="rect">
+            <a:avLst/>
+          </a:prstGeom>
+          <a:noFill/>
+          <a:ln w="9525">
+            <a:noFill/>
+          </a:ln>
+        </p:spPr>
+        <p:txBody>
+          <a:bodyPr wrap="square" lIns="179705" tIns="144145" rIns="179705" bIns="144145" anchor="t">
+            <a:spAutoFit/>
+          </a:bodyPr>
+          <a:p>
+            <a:pPr>
+              <a:lnSpc>
+                <a:spcPct val="120000"/>
+              </a:lnSpc>
+              <a:spcAft>
+                <a:spcPts val="600"/>
+              </a:spcAft>
+              <a:buSzTx/>
+            </a:pPr>
+            <a:r>
+              <a:rPr lang="en-US" altLang="zh-CN" sz="1200">
+                <a:latin typeface="微软雅黑" panose="020B0503020204020204" charset="-122"/>
+                <a:ea typeface="微软雅黑" panose="020B0503020204020204" charset="-122"/>
+                <a:sym typeface="宋体" panose="02010600030101010101" pitchFamily="2" charset="-122"/>
+              </a:rPr>
+              <a:t>4. </a:t>
+            </a:r>
+            <a:r>
+              <a:rPr lang="zh-CN" altLang="en-US" sz="1200">
+                <a:latin typeface="微软雅黑" panose="020B0503020204020204" charset="-122"/>
+                <a:ea typeface="微软雅黑" panose="020B0503020204020204" charset="-122"/>
+                <a:sym typeface="宋体" panose="02010600030101010101" pitchFamily="2" charset="-122"/>
+              </a:rPr>
+              <a:t>将该文件夹</a:t>
+            </a:r>
+            <a:r>
+              <a:rPr lang="en-US" altLang="zh-CN" sz="1200">
+                <a:latin typeface="微软雅黑" panose="020B0503020204020204" charset="-122"/>
+                <a:ea typeface="微软雅黑" panose="020B0503020204020204" charset="-122"/>
+                <a:sym typeface="宋体" panose="02010600030101010101" pitchFamily="2" charset="-122"/>
+              </a:rPr>
+              <a:t>(</a:t>
+            </a:r>
+            <a:r>
+              <a:rPr lang="zh-CN" altLang="en-US" sz="1200">
+                <a:latin typeface="微软雅黑" panose="020B0503020204020204" charset="-122"/>
+                <a:ea typeface="微软雅黑" panose="020B0503020204020204" charset="-122"/>
+                <a:sym typeface="宋体" panose="02010600030101010101" pitchFamily="2" charset="-122"/>
+              </a:rPr>
+              <a:t>指</a:t>
+            </a:r>
+            <a:r>
+              <a:rPr lang="en-US" altLang="zh-CN" sz="1200">
+                <a:latin typeface="微软雅黑" panose="020B0503020204020204" charset="-122"/>
+                <a:ea typeface="微软雅黑" panose="020B0503020204020204" charset="-122"/>
+                <a:sym typeface="宋体" panose="02010600030101010101" pitchFamily="2" charset="-122"/>
+              </a:rPr>
+              <a:t>PssImages</a:t>
+            </a:r>
+            <a:r>
+              <a:rPr lang="zh-CN" altLang="en-US" sz="1200">
+                <a:latin typeface="微软雅黑" panose="020B0503020204020204" charset="-122"/>
+                <a:ea typeface="微软雅黑" panose="020B0503020204020204" charset="-122"/>
+                <a:sym typeface="宋体" panose="02010600030101010101" pitchFamily="2" charset="-122"/>
+              </a:rPr>
+              <a:t>文件夹而非内部文件</a:t>
+            </a:r>
+            <a:r>
+              <a:rPr lang="en-US" altLang="zh-CN" sz="1200">
+                <a:latin typeface="微软雅黑" panose="020B0503020204020204" charset="-122"/>
+                <a:ea typeface="微软雅黑" panose="020B0503020204020204" charset="-122"/>
+                <a:sym typeface="宋体" panose="02010600030101010101" pitchFamily="2" charset="-122"/>
+              </a:rPr>
+              <a:t>)</a:t>
+            </a:r>
+            <a:r>
+              <a:rPr lang="zh-CN" altLang="en-US" sz="1200">
+                <a:latin typeface="微软雅黑" panose="020B0503020204020204" charset="-122"/>
+                <a:ea typeface="微软雅黑" panose="020B0503020204020204" charset="-122"/>
+                <a:sym typeface="宋体" panose="02010600030101010101" pitchFamily="2" charset="-122"/>
+              </a:rPr>
+              <a:t>存放在</a:t>
+            </a:r>
+            <a:r>
+              <a:rPr lang="en-US" altLang="zh-CN" sz="1200">
+                <a:latin typeface="微软雅黑" panose="020B0503020204020204" charset="-122"/>
+                <a:ea typeface="微软雅黑" panose="020B0503020204020204" charset="-122"/>
+                <a:sym typeface="宋体" panose="02010600030101010101" pitchFamily="2" charset="-122"/>
+              </a:rPr>
+              <a:t>U</a:t>
+            </a:r>
+            <a:r>
+              <a:rPr lang="zh-CN" altLang="en-US" sz="1200">
+                <a:latin typeface="微软雅黑" panose="020B0503020204020204" charset="-122"/>
+                <a:ea typeface="微软雅黑" panose="020B0503020204020204" charset="-122"/>
+                <a:sym typeface="宋体" panose="02010600030101010101" pitchFamily="2" charset="-122"/>
+              </a:rPr>
+              <a:t>盘的根目录下</a:t>
+            </a:r>
+            <a:endParaRPr lang="zh-CN" altLang="en-US" sz="1200">
+              <a:latin typeface="微软雅黑" panose="020B0503020204020204" charset="-122"/>
+              <a:ea typeface="微软雅黑" panose="020B0503020204020204" charset="-122"/>
+              <a:sym typeface="宋体" panose="02010600030101010101" pitchFamily="2" charset="-122"/>
+            </a:endParaRPr>
+          </a:p>
+          <a:p>
+            <a:pPr>
+              <a:lnSpc>
+                <a:spcPct val="120000"/>
+              </a:lnSpc>
+              <a:spcAft>
+                <a:spcPts val="600"/>
+              </a:spcAft>
+              <a:buSzTx/>
+            </a:pPr>
+            <a:r>
+              <a:rPr lang="en-US" altLang="zh-CN" sz="1200">
+                <a:latin typeface="微软雅黑" panose="020B0503020204020204" charset="-122"/>
+                <a:ea typeface="微软雅黑" panose="020B0503020204020204" charset="-122"/>
+                <a:sym typeface="宋体" panose="02010600030101010101" pitchFamily="2" charset="-122"/>
+              </a:rPr>
+              <a:t>5. </a:t>
+            </a:r>
+            <a:r>
+              <a:rPr lang="zh-CN" altLang="en-US" sz="1200">
+                <a:latin typeface="微软雅黑" panose="020B0503020204020204" charset="-122"/>
+                <a:ea typeface="微软雅黑" panose="020B0503020204020204" charset="-122"/>
+                <a:sym typeface="宋体" panose="02010600030101010101" pitchFamily="2" charset="-122"/>
+              </a:rPr>
+              <a:t>将</a:t>
+            </a:r>
+            <a:r>
+              <a:rPr lang="en-US" altLang="zh-CN" sz="1200">
+                <a:latin typeface="微软雅黑" panose="020B0503020204020204" charset="-122"/>
+                <a:ea typeface="微软雅黑" panose="020B0503020204020204" charset="-122"/>
+                <a:sym typeface="宋体" panose="02010600030101010101" pitchFamily="2" charset="-122"/>
+              </a:rPr>
+              <a:t>U</a:t>
+            </a:r>
+            <a:r>
+              <a:rPr lang="zh-CN" altLang="en-US" sz="1200">
+                <a:latin typeface="微软雅黑" panose="020B0503020204020204" charset="-122"/>
+                <a:ea typeface="微软雅黑" panose="020B0503020204020204" charset="-122"/>
+                <a:sym typeface="宋体" panose="02010600030101010101" pitchFamily="2" charset="-122"/>
+              </a:rPr>
+              <a:t>盘插入源表前面板的</a:t>
+            </a:r>
+            <a:r>
+              <a:rPr lang="en-US" altLang="zh-CN" sz="1200">
+                <a:latin typeface="微软雅黑" panose="020B0503020204020204" charset="-122"/>
+                <a:ea typeface="微软雅黑" panose="020B0503020204020204" charset="-122"/>
+                <a:sym typeface="宋体" panose="02010600030101010101" pitchFamily="2" charset="-122"/>
+              </a:rPr>
+              <a:t>USB</a:t>
+            </a:r>
+            <a:r>
+              <a:rPr lang="zh-CN" altLang="en-US" sz="1200">
+                <a:latin typeface="微软雅黑" panose="020B0503020204020204" charset="-122"/>
+                <a:ea typeface="微软雅黑" panose="020B0503020204020204" charset="-122"/>
+                <a:sym typeface="宋体" panose="02010600030101010101" pitchFamily="2" charset="-122"/>
+              </a:rPr>
+              <a:t>接口处</a:t>
+            </a:r>
+            <a:endParaRPr lang="zh-CN" altLang="en-US" sz="1200">
+              <a:latin typeface="微软雅黑" panose="020B0503020204020204" charset="-122"/>
+              <a:ea typeface="微软雅黑" panose="020B0503020204020204" charset="-122"/>
+              <a:sym typeface="宋体" panose="02010600030101010101" pitchFamily="2" charset="-122"/>
+            </a:endParaRPr>
+          </a:p>
+          <a:p>
+            <a:pPr>
+              <a:lnSpc>
+                <a:spcPct val="120000"/>
+              </a:lnSpc>
+              <a:spcAft>
+                <a:spcPts val="600"/>
+              </a:spcAft>
+              <a:buSzTx/>
+            </a:pPr>
+            <a:r>
+              <a:rPr lang="en-US" altLang="zh-CN" sz="1200">
+                <a:latin typeface="微软雅黑" panose="020B0503020204020204" charset="-122"/>
+                <a:ea typeface="微软雅黑" panose="020B0503020204020204" charset="-122"/>
+                <a:sym typeface="宋体" panose="02010600030101010101" pitchFamily="2" charset="-122"/>
+              </a:rPr>
+              <a:t>6. </a:t>
+            </a:r>
+            <a:r>
+              <a:rPr lang="zh-CN" altLang="en-US" sz="1200">
+                <a:latin typeface="微软雅黑" panose="020B0503020204020204" charset="-122"/>
+                <a:ea typeface="微软雅黑" panose="020B0503020204020204" charset="-122"/>
+                <a:sym typeface="宋体" panose="02010600030101010101" pitchFamily="2" charset="-122"/>
+              </a:rPr>
+              <a:t>点击设置界面左下角的版本升级，出现如图</a:t>
+            </a:r>
+            <a:r>
+              <a:rPr lang="en-US" altLang="zh-CN" sz="1200">
+                <a:latin typeface="微软雅黑" panose="020B0503020204020204" charset="-122"/>
+                <a:ea typeface="微软雅黑" panose="020B0503020204020204" charset="-122"/>
+                <a:sym typeface="宋体" panose="02010600030101010101" pitchFamily="2" charset="-122"/>
+              </a:rPr>
+              <a:t>3.4(2)</a:t>
+            </a:r>
+            <a:r>
+              <a:rPr lang="zh-CN" altLang="en-US" sz="1200">
+                <a:latin typeface="微软雅黑" panose="020B0503020204020204" charset="-122"/>
+                <a:ea typeface="微软雅黑" panose="020B0503020204020204" charset="-122"/>
+                <a:sym typeface="宋体" panose="02010600030101010101" pitchFamily="2" charset="-122"/>
+              </a:rPr>
+              <a:t>所示：</a:t>
+            </a:r>
+            <a:endParaRPr lang="zh-CN" altLang="en-US" sz="1200">
+              <a:latin typeface="微软雅黑" panose="020B0503020204020204" charset="-122"/>
+              <a:ea typeface="微软雅黑" panose="020B0503020204020204" charset="-122"/>
+              <a:sym typeface="宋体" panose="02010600030101010101" pitchFamily="2" charset="-122"/>
+            </a:endParaRPr>
+          </a:p>
+        </p:txBody>
+      </p:sp>
+    </p:spTree>
+  </p:cSld>
+  <p:clrMapOvr>
+    <a:masterClrMapping/>
+  </p:clrMapOvr>
+</p:sld>
+</file>
+
+<file path=ppt/slides/slide12.xml><?xml version="1.0" encoding="utf-8"?>
+<p:sld xmlns:a="http://schemas.openxmlformats.org/drawingml/2006/main" xmlns:r="http://schemas.openxmlformats.org/officeDocument/2006/relationships" xmlns:p="http://schemas.openxmlformats.org/presentationml/2006/main">
+  <p:cSld>
+    <p:spTree>
+      <p:nvGrpSpPr>
+        <p:cNvPr id="1" name=""/>
+        <p:cNvGrpSpPr/>
+        <p:nvPr/>
+      </p:nvGrpSpPr>
+      <p:grpSpPr/>
+      <p:pic>
+        <p:nvPicPr>
+          <p:cNvPr id="4" name="图片 3"/>
+          <p:cNvPicPr>
+            <a:picLocks noChangeAspect="1"/>
+          </p:cNvPicPr>
+          <p:nvPr/>
+        </p:nvPicPr>
+        <p:blipFill>
+          <a:blip r:embed="rId1"/>
+          <a:stretch>
+            <a:fillRect/>
+          </a:stretch>
+        </p:blipFill>
+        <p:spPr>
+          <a:xfrm>
+            <a:off x="1191260" y="1232535"/>
+            <a:ext cx="4413885" cy="2804795"/>
+          </a:xfrm>
+          <a:prstGeom prst="rect">
+            <a:avLst/>
+          </a:prstGeom>
+        </p:spPr>
+      </p:pic>
+      <p:sp>
+        <p:nvSpPr>
+          <p:cNvPr id="20485" name="文本框 9"/>
+          <p:cNvSpPr txBox="1"/>
+          <p:nvPr/>
+        </p:nvSpPr>
+        <p:spPr>
+          <a:xfrm>
+            <a:off x="2563495" y="4300220"/>
+            <a:ext cx="2100263" cy="275590"/>
+          </a:xfrm>
+          <a:prstGeom prst="rect">
+            <a:avLst/>
+          </a:prstGeom>
+          <a:noFill/>
+          <a:ln w="9525">
+            <a:noFill/>
+          </a:ln>
+        </p:spPr>
+        <p:txBody>
+          <a:bodyPr wrap="square" anchor="t">
+            <a:spAutoFit/>
+          </a:bodyPr>
+          <a:p>
+            <a:pPr algn="ctr"/>
+            <a:r>
+              <a:rPr lang="zh-CN" altLang="zh-CN" sz="1200" dirty="0">
+                <a:latin typeface="微软雅黑" panose="020B0503020204020204" charset="-122"/>
+                <a:ea typeface="微软雅黑" panose="020B0503020204020204" charset="-122"/>
+              </a:rPr>
+              <a:t>图</a:t>
+            </a:r>
+            <a:r>
+              <a:rPr lang="en-US" altLang="zh-CN" sz="1200" dirty="0">
+                <a:latin typeface="微软雅黑" panose="020B0503020204020204" charset="-122"/>
+                <a:ea typeface="微软雅黑" panose="020B0503020204020204" charset="-122"/>
+              </a:rPr>
+              <a:t>3.4(2) </a:t>
+            </a:r>
+            <a:r>
+              <a:rPr lang="zh-CN" altLang="en-US" sz="1200" dirty="0">
+                <a:latin typeface="微软雅黑" panose="020B0503020204020204" charset="-122"/>
+                <a:ea typeface="微软雅黑" panose="020B0503020204020204" charset="-122"/>
+              </a:rPr>
+              <a:t>版本升级界面</a:t>
+            </a:r>
+            <a:endParaRPr lang="zh-CN" altLang="en-US" sz="1200" dirty="0">
+              <a:latin typeface="微软雅黑" panose="020B0503020204020204" charset="-122"/>
+              <a:ea typeface="微软雅黑" panose="020B0503020204020204" charset="-122"/>
+            </a:endParaRPr>
+          </a:p>
+        </p:txBody>
+      </p:sp>
+      <p:sp>
+        <p:nvSpPr>
+          <p:cNvPr id="3" name="文本框 99"/>
+          <p:cNvSpPr txBox="1"/>
+          <p:nvPr/>
+        </p:nvSpPr>
+        <p:spPr>
+          <a:xfrm>
+            <a:off x="912178" y="4618355"/>
+            <a:ext cx="5689600" cy="730250"/>
+          </a:xfrm>
+          <a:prstGeom prst="rect">
+            <a:avLst/>
+          </a:prstGeom>
+          <a:noFill/>
+          <a:ln w="9525">
+            <a:noFill/>
+          </a:ln>
+        </p:spPr>
+        <p:txBody>
+          <a:bodyPr wrap="square" lIns="179705" tIns="144145" rIns="179705" bIns="144145" anchor="t">
+            <a:spAutoFit/>
+          </a:bodyPr>
+          <a:p>
+            <a:pPr>
+              <a:lnSpc>
+                <a:spcPct val="120000"/>
+              </a:lnSpc>
+              <a:spcAft>
+                <a:spcPts val="600"/>
+              </a:spcAft>
+              <a:buSzTx/>
+            </a:pPr>
+            <a:r>
+              <a:rPr lang="en-US" altLang="zh-CN" sz="1200" dirty="0">
+                <a:latin typeface="微软雅黑" panose="020B0503020204020204" charset="-122"/>
+                <a:ea typeface="微软雅黑" panose="020B0503020204020204" charset="-122"/>
+                <a:sym typeface="宋体" panose="02010600030101010101" pitchFamily="2" charset="-122"/>
+              </a:rPr>
+              <a:t>7. </a:t>
+            </a:r>
+            <a:r>
+              <a:rPr lang="zh-CN" altLang="en-US" sz="1200" dirty="0" smtClean="0">
+                <a:latin typeface="微软雅黑" panose="020B0503020204020204" charset="-122"/>
+                <a:ea typeface="微软雅黑" panose="020B0503020204020204" charset="-122"/>
+                <a:sym typeface="宋体" panose="02010600030101010101" pitchFamily="2" charset="-122"/>
+              </a:rPr>
+              <a:t>点击一键升级</a:t>
+            </a:r>
+            <a:r>
+              <a:rPr lang="zh-CN" altLang="en-US" sz="1200" dirty="0">
+                <a:latin typeface="微软雅黑" panose="020B0503020204020204" charset="-122"/>
+                <a:ea typeface="微软雅黑" panose="020B0503020204020204" charset="-122"/>
+                <a:sym typeface="宋体" panose="02010600030101010101" pitchFamily="2" charset="-122"/>
+              </a:rPr>
+              <a:t>，确保除</a:t>
+            </a:r>
+            <a:r>
+              <a:rPr lang="en-US" altLang="zh-CN" sz="1200" dirty="0">
+                <a:latin typeface="微软雅黑" panose="020B0503020204020204" charset="-122"/>
+                <a:ea typeface="微软雅黑" panose="020B0503020204020204" charset="-122"/>
+                <a:sym typeface="宋体" panose="02010600030101010101" pitchFamily="2" charset="-122"/>
+              </a:rPr>
+              <a:t>U</a:t>
+            </a:r>
+            <a:r>
+              <a:rPr lang="zh-CN" altLang="en-US" sz="1200" dirty="0">
+                <a:latin typeface="微软雅黑" panose="020B0503020204020204" charset="-122"/>
+                <a:ea typeface="微软雅黑" panose="020B0503020204020204" charset="-122"/>
+                <a:sym typeface="宋体" panose="02010600030101010101" pitchFamily="2" charset="-122"/>
+              </a:rPr>
+              <a:t>盘外其他设备断开后点击确认，接下来开始升级，等待大约两分钟后升级完成，如图</a:t>
+            </a:r>
+            <a:r>
+              <a:rPr lang="en-US" altLang="zh-CN" sz="1200" dirty="0">
+                <a:latin typeface="微软雅黑" panose="020B0503020204020204" charset="-122"/>
+                <a:ea typeface="微软雅黑" panose="020B0503020204020204" charset="-122"/>
+                <a:sym typeface="宋体" panose="02010600030101010101" pitchFamily="2" charset="-122"/>
+              </a:rPr>
+              <a:t>3</a:t>
+            </a:r>
+            <a:r>
+              <a:rPr lang="zh-CN" altLang="en-US" sz="1200" dirty="0">
+                <a:latin typeface="微软雅黑" panose="020B0503020204020204" charset="-122"/>
+                <a:ea typeface="微软雅黑" panose="020B0503020204020204" charset="-122"/>
+                <a:sym typeface="宋体" panose="02010600030101010101" pitchFamily="2" charset="-122"/>
+              </a:rPr>
+              <a:t>.</a:t>
+            </a:r>
+            <a:r>
+              <a:rPr lang="en-US" altLang="zh-CN" sz="1200" dirty="0">
+                <a:latin typeface="微软雅黑" panose="020B0503020204020204" charset="-122"/>
+                <a:ea typeface="微软雅黑" panose="020B0503020204020204" charset="-122"/>
+                <a:sym typeface="宋体" panose="02010600030101010101" pitchFamily="2" charset="-122"/>
+              </a:rPr>
+              <a:t>4</a:t>
+            </a:r>
+            <a:r>
+              <a:rPr lang="en-US" altLang="zh-CN" sz="1200" dirty="0">
+                <a:latin typeface="微软雅黑" panose="020B0503020204020204" charset="-122"/>
+                <a:ea typeface="微软雅黑" panose="020B0503020204020204" charset="-122"/>
+                <a:sym typeface="宋体" panose="02010600030101010101" pitchFamily="2" charset="-122"/>
+              </a:rPr>
+              <a:t>(3)</a:t>
+            </a:r>
+            <a:r>
+              <a:rPr lang="zh-CN" altLang="en-US" sz="1200" dirty="0">
+                <a:latin typeface="微软雅黑" panose="020B0503020204020204" charset="-122"/>
+                <a:ea typeface="微软雅黑" panose="020B0503020204020204" charset="-122"/>
+                <a:sym typeface="宋体" panose="02010600030101010101" pitchFamily="2" charset="-122"/>
+              </a:rPr>
+              <a:t>所示：</a:t>
+            </a:r>
+            <a:endParaRPr lang="zh-CN" altLang="en-US" sz="1200" dirty="0">
+              <a:latin typeface="微软雅黑" panose="020B0503020204020204" charset="-122"/>
+              <a:ea typeface="微软雅黑" panose="020B0503020204020204" charset="-122"/>
+              <a:sym typeface="宋体" panose="02010600030101010101" pitchFamily="2" charset="-122"/>
+            </a:endParaRPr>
+          </a:p>
+        </p:txBody>
+      </p:sp>
+      <p:pic>
+        <p:nvPicPr>
+          <p:cNvPr id="2" name="图片 1"/>
+          <p:cNvPicPr>
+            <a:picLocks noChangeAspect="1"/>
+          </p:cNvPicPr>
+          <p:nvPr/>
+        </p:nvPicPr>
+        <p:blipFill>
+          <a:blip r:embed="rId2"/>
+          <a:stretch>
+            <a:fillRect/>
+          </a:stretch>
+        </p:blipFill>
+        <p:spPr>
+          <a:xfrm>
+            <a:off x="1191260" y="5563870"/>
+            <a:ext cx="4420235" cy="2719705"/>
+          </a:xfrm>
+          <a:prstGeom prst="rect">
+            <a:avLst/>
+          </a:prstGeom>
+        </p:spPr>
+      </p:pic>
+      <p:sp>
+        <p:nvSpPr>
+          <p:cNvPr id="5" name="文本框 9"/>
+          <p:cNvSpPr txBox="1"/>
+          <p:nvPr/>
+        </p:nvSpPr>
+        <p:spPr>
+          <a:xfrm>
+            <a:off x="2562860" y="8426841"/>
+            <a:ext cx="2100263" cy="275590"/>
+          </a:xfrm>
+          <a:prstGeom prst="rect">
+            <a:avLst/>
+          </a:prstGeom>
+          <a:noFill/>
+          <a:ln w="9525">
+            <a:noFill/>
+          </a:ln>
+        </p:spPr>
+        <p:txBody>
+          <a:bodyPr wrap="square" anchor="t">
+            <a:spAutoFit/>
+          </a:bodyPr>
+          <a:p>
+            <a:pPr algn="ctr"/>
+            <a:r>
+              <a:rPr lang="zh-CN" altLang="zh-CN" sz="1200" dirty="0">
+                <a:latin typeface="微软雅黑" panose="020B0503020204020204" charset="-122"/>
+                <a:ea typeface="微软雅黑" panose="020B0503020204020204" charset="-122"/>
+              </a:rPr>
+              <a:t>图</a:t>
+            </a:r>
+            <a:r>
+              <a:rPr lang="en-US" altLang="zh-CN" sz="1200" dirty="0">
+                <a:latin typeface="微软雅黑" panose="020B0503020204020204" charset="-122"/>
+                <a:ea typeface="微软雅黑" panose="020B0503020204020204" charset="-122"/>
+              </a:rPr>
+              <a:t>3.4(3) </a:t>
+            </a:r>
+            <a:r>
+              <a:rPr lang="zh-CN" altLang="en-US" sz="1200" dirty="0">
+                <a:latin typeface="微软雅黑" panose="020B0503020204020204" charset="-122"/>
+                <a:ea typeface="微软雅黑" panose="020B0503020204020204" charset="-122"/>
+              </a:rPr>
+              <a:t>一键</a:t>
+            </a:r>
+            <a:r>
+              <a:rPr lang="zh-CN" altLang="en-US" sz="1200" dirty="0" smtClean="0">
+                <a:latin typeface="微软雅黑" panose="020B0503020204020204" charset="-122"/>
+                <a:ea typeface="微软雅黑" panose="020B0503020204020204" charset="-122"/>
+              </a:rPr>
+              <a:t>升级</a:t>
+            </a:r>
+            <a:r>
+              <a:rPr lang="zh-CN" altLang="en-US" sz="1200" dirty="0">
+                <a:latin typeface="微软雅黑" panose="020B0503020204020204" charset="-122"/>
+                <a:ea typeface="微软雅黑" panose="020B0503020204020204" charset="-122"/>
+              </a:rPr>
+              <a:t>提示界面</a:t>
+            </a:r>
+            <a:endParaRPr lang="zh-CN" altLang="en-US" sz="1200" dirty="0">
+              <a:latin typeface="微软雅黑" panose="020B0503020204020204" charset="-122"/>
+              <a:ea typeface="微软雅黑" panose="020B0503020204020204" charset="-122"/>
+            </a:endParaRPr>
+          </a:p>
+        </p:txBody>
+      </p:sp>
+    </p:spTree>
+  </p:cSld>
+  <p:clrMapOvr>
+    <a:masterClrMapping/>
+  </p:clrMapOvr>
+</p:sld>
+</file>
+
+<file path=ppt/slides/slide13.xml><?xml version="1.0" encoding="utf-8"?>
+<p:sld xmlns:a="http://schemas.openxmlformats.org/drawingml/2006/main" xmlns:r="http://schemas.openxmlformats.org/officeDocument/2006/relationships" xmlns:p="http://schemas.openxmlformats.org/presentationml/2006/main">
+  <p:cSld>
+    <p:spTree>
+      <p:nvGrpSpPr>
+        <p:cNvPr id="1" name=""/>
+        <p:cNvGrpSpPr/>
+        <p:nvPr/>
+      </p:nvGrpSpPr>
+      <p:grpSpPr/>
+      <p:sp>
+        <p:nvSpPr>
+          <p:cNvPr id="2" name="文本框 1"/>
+          <p:cNvSpPr txBox="1"/>
+          <p:nvPr/>
+        </p:nvSpPr>
+        <p:spPr>
+          <a:xfrm>
+            <a:off x="354965" y="946150"/>
+            <a:ext cx="1323975" cy="337185"/>
+          </a:xfrm>
+          <a:prstGeom prst="rect">
+            <a:avLst/>
+          </a:prstGeom>
+          <a:noFill/>
+          <a:ln w="9525">
+            <a:noFill/>
+          </a:ln>
+        </p:spPr>
+        <p:txBody>
+          <a:bodyPr wrap="none" anchor="t">
+            <a:spAutoFit/>
+          </a:bodyPr>
+          <a:p>
+            <a:pPr algn="l"/>
+            <a:r>
+              <a:rPr lang="en-US" altLang="zh-CN" sz="1600" b="1">
+                <a:solidFill>
+                  <a:srgbClr val="1B3B7C"/>
+                </a:solidFill>
+                <a:latin typeface="微软雅黑" panose="020B0503020204020204" charset="-122"/>
+                <a:ea typeface="微软雅黑" panose="020B0503020204020204" charset="-122"/>
+              </a:rPr>
+              <a:t>4</a:t>
+            </a:r>
+            <a:r>
+              <a:rPr lang="zh-CN" altLang="en-US" sz="1600" b="1">
+                <a:solidFill>
+                  <a:srgbClr val="1B3B7C"/>
+                </a:solidFill>
+                <a:latin typeface="微软雅黑" panose="020B0503020204020204" charset="-122"/>
+                <a:ea typeface="微软雅黑" panose="020B0503020204020204" charset="-122"/>
+              </a:rPr>
+              <a:t>、版本信息</a:t>
+            </a:r>
+            <a:endParaRPr lang="zh-CN" altLang="zh-CN" sz="1600" b="1">
+              <a:solidFill>
+                <a:srgbClr val="1B3B7C"/>
+              </a:solidFill>
+              <a:latin typeface="微软雅黑" panose="020B0503020204020204" charset="-122"/>
+              <a:ea typeface="微软雅黑" panose="020B0503020204020204" charset="-122"/>
+            </a:endParaRPr>
+          </a:p>
+        </p:txBody>
+      </p:sp>
+      <p:sp>
+        <p:nvSpPr>
+          <p:cNvPr id="21509" name="文本框 99"/>
+          <p:cNvSpPr txBox="1"/>
+          <p:nvPr/>
+        </p:nvSpPr>
+        <p:spPr>
+          <a:xfrm>
+            <a:off x="793115" y="1331278"/>
+            <a:ext cx="5689600" cy="730250"/>
+          </a:xfrm>
+          <a:prstGeom prst="rect">
+            <a:avLst/>
+          </a:prstGeom>
+          <a:noFill/>
+          <a:ln w="9525">
+            <a:noFill/>
+          </a:ln>
+        </p:spPr>
+        <p:txBody>
+          <a:bodyPr wrap="square" lIns="179705" tIns="144145" rIns="179705" bIns="144145" anchor="t">
+            <a:spAutoFit/>
+          </a:bodyPr>
+          <a:p>
+            <a:pPr>
+              <a:lnSpc>
+                <a:spcPct val="120000"/>
+              </a:lnSpc>
+              <a:spcAft>
+                <a:spcPts val="600"/>
+              </a:spcAft>
+              <a:buSzTx/>
+            </a:pPr>
+            <a:r>
+              <a:rPr lang="zh-CN" altLang="en-US" sz="1200">
+                <a:latin typeface="微软雅黑" panose="020B0503020204020204" charset="-122"/>
+                <a:ea typeface="微软雅黑" panose="020B0503020204020204" charset="-122"/>
+                <a:sym typeface="宋体" panose="02010600030101010101" pitchFamily="2" charset="-122"/>
+              </a:rPr>
+              <a:t>点击主界面中的版本信息按钮可进入如下界面进行查看相应的Qt、前面板、模拟板版本信息，如图</a:t>
+            </a:r>
+            <a:r>
+              <a:rPr lang="en-US" altLang="zh-CN" sz="1200">
+                <a:latin typeface="微软雅黑" panose="020B0503020204020204" charset="-122"/>
+                <a:ea typeface="微软雅黑" panose="020B0503020204020204" charset="-122"/>
+                <a:sym typeface="宋体" panose="02010600030101010101" pitchFamily="2" charset="-122"/>
+              </a:rPr>
+              <a:t>4</a:t>
+            </a:r>
+            <a:r>
+              <a:rPr lang="zh-CN" altLang="en-US" sz="1200">
+                <a:latin typeface="微软雅黑" panose="020B0503020204020204" charset="-122"/>
+                <a:ea typeface="微软雅黑" panose="020B0503020204020204" charset="-122"/>
+                <a:sym typeface="宋体" panose="02010600030101010101" pitchFamily="2" charset="-122"/>
+              </a:rPr>
+              <a:t>.1：</a:t>
+            </a:r>
+            <a:endParaRPr lang="zh-CN" altLang="en-US" sz="1200">
+              <a:latin typeface="微软雅黑" panose="020B0503020204020204" charset="-122"/>
+              <a:ea typeface="微软雅黑" panose="020B0503020204020204" charset="-122"/>
+              <a:sym typeface="宋体" panose="02010600030101010101" pitchFamily="2" charset="-122"/>
+            </a:endParaRPr>
+          </a:p>
+        </p:txBody>
+      </p:sp>
+      <p:pic>
+        <p:nvPicPr>
+          <p:cNvPr id="3" name="图片 2" descr="版本"/>
+          <p:cNvPicPr>
+            <a:picLocks noChangeAspect="1"/>
+          </p:cNvPicPr>
+          <p:nvPr/>
+        </p:nvPicPr>
+        <p:blipFill>
+          <a:blip r:embed="rId1" cstate="print"/>
+          <a:stretch>
+            <a:fillRect/>
+          </a:stretch>
+        </p:blipFill>
+        <p:spPr>
+          <a:xfrm>
+            <a:off x="1110298" y="2265363"/>
+            <a:ext cx="4679950" cy="2159000"/>
+          </a:xfrm>
+          <a:prstGeom prst="rect">
+            <a:avLst/>
+          </a:prstGeom>
+          <a:noFill/>
+          <a:ln w="9525">
+            <a:noFill/>
+          </a:ln>
+        </p:spPr>
+      </p:pic>
+      <p:sp>
+        <p:nvSpPr>
+          <p:cNvPr id="21510" name="文本框 9"/>
+          <p:cNvSpPr txBox="1"/>
+          <p:nvPr/>
+        </p:nvSpPr>
+        <p:spPr>
+          <a:xfrm>
+            <a:off x="2528570" y="4273868"/>
+            <a:ext cx="1700213" cy="276225"/>
+          </a:xfrm>
+          <a:prstGeom prst="rect">
+            <a:avLst/>
+          </a:prstGeom>
+          <a:noFill/>
+          <a:ln w="9525">
+            <a:noFill/>
+          </a:ln>
+        </p:spPr>
+        <p:txBody>
+          <a:bodyPr wrap="square" anchor="t">
+            <a:spAutoFit/>
+          </a:bodyPr>
+          <a:p>
+            <a:pPr algn="ctr"/>
+            <a:r>
+              <a:rPr lang="zh-CN" altLang="zh-CN" sz="1200">
+                <a:latin typeface="微软雅黑" panose="020B0503020204020204" charset="-122"/>
+                <a:ea typeface="微软雅黑" panose="020B0503020204020204" charset="-122"/>
+              </a:rPr>
+              <a:t>图</a:t>
+            </a:r>
+            <a:r>
+              <a:rPr lang="en-US" altLang="zh-CN" sz="1200">
+                <a:latin typeface="微软雅黑" panose="020B0503020204020204" charset="-122"/>
+                <a:ea typeface="微软雅黑" panose="020B0503020204020204" charset="-122"/>
+              </a:rPr>
+              <a:t>4.1 </a:t>
+            </a:r>
+            <a:r>
+              <a:rPr lang="zh-CN" altLang="en-US" sz="1200">
+                <a:latin typeface="微软雅黑" panose="020B0503020204020204" charset="-122"/>
+                <a:ea typeface="微软雅黑" panose="020B0503020204020204" charset="-122"/>
+              </a:rPr>
+              <a:t>版本信息界面</a:t>
+            </a:r>
+            <a:endParaRPr lang="zh-CN" altLang="en-US" sz="1200">
+              <a:latin typeface="微软雅黑" panose="020B0503020204020204" charset="-122"/>
+              <a:ea typeface="微软雅黑" panose="020B0503020204020204" charset="-122"/>
+            </a:endParaRPr>
+          </a:p>
+        </p:txBody>
+      </p:sp>
+    </p:spTree>
+  </p:cSld>
+  <p:clrMapOvr>
+    <a:masterClrMapping/>
+  </p:clrMapOvr>
+</p:sld>
+</file>
+
 <file path=ppt/slides/slide2.xml><?xml version="1.0" encoding="utf-8"?>
 <p:sld xmlns:a="http://schemas.openxmlformats.org/drawingml/2006/main" xmlns:r="http://schemas.openxmlformats.org/officeDocument/2006/relationships" xmlns:p="http://schemas.openxmlformats.org/presentationml/2006/main">
   <p:cSld>
@@ -5505,6 +6876,534 @@
               </a:solidFill>
               <a:latin typeface="微软雅黑" panose="020B0503020204020204" charset="-122"/>
               <a:ea typeface="+mn-ea"/>
+              <a:cs typeface="+mn-cs"/>
+            </a:endParaRPr>
+          </a:p>
+          <a:p>
+            <a:pPr algn="just" defTabSz="685800">
+              <a:lnSpc>
+                <a:spcPct val="150000"/>
+              </a:lnSpc>
+            </a:pPr>
+            <a:r>
+              <a:rPr lang="en-US" altLang="zh-CN" dirty="0">
+                <a:solidFill>
+                  <a:srgbClr val="595959"/>
+                </a:solidFill>
+                <a:cs typeface="+mn-cs"/>
+                <a:sym typeface="+mn-ea"/>
+              </a:rPr>
+              <a:t>3</a:t>
+            </a:r>
+            <a:r>
+              <a:rPr lang="zh-CN" altLang="en-US" dirty="0">
+                <a:solidFill>
+                  <a:srgbClr val="595959"/>
+                </a:solidFill>
+                <a:cs typeface="+mn-cs"/>
+                <a:sym typeface="+mn-ea"/>
+              </a:rPr>
+              <a:t>、</a:t>
+            </a:r>
+            <a:r>
+              <a:rPr lang="zh-CN" altLang="en-US" dirty="0">
+                <a:solidFill>
+                  <a:srgbClr val="595959"/>
+                </a:solidFill>
+                <a:cs typeface="+mn-cs"/>
+                <a:sym typeface="+mn-ea"/>
+                <a:hlinkClick r:id="rId3" action="ppaction://hlinksldjump"/>
+              </a:rPr>
+              <a:t>设置  </a:t>
+            </a:r>
+            <a:r>
+              <a:rPr lang="en-US" altLang="zh-CN" dirty="0">
+                <a:solidFill>
+                  <a:srgbClr val="595959"/>
+                </a:solidFill>
+                <a:ea typeface="+mn-ea"/>
+                <a:cs typeface="+mn-cs"/>
+                <a:sym typeface="宋体" panose="02010600030101010101" pitchFamily="2" charset="-122"/>
+                <a:hlinkClick r:id="rId3" action="ppaction://hlinksldjump"/>
+              </a:rPr>
+              <a:t>........................................................................</a:t>
+            </a:r>
+            <a:r>
+              <a:rPr lang="en-US" altLang="zh-CN" dirty="0">
+                <a:solidFill>
+                  <a:srgbClr val="595959"/>
+                </a:solidFill>
+                <a:ea typeface="+mn-ea"/>
+                <a:cs typeface="+mn-cs"/>
+                <a:sym typeface="宋体" panose="02010600030101010101" pitchFamily="2" charset="-122"/>
+                <a:hlinkClick r:id="rId2" action="ppaction://hlinksldjump"/>
+              </a:rPr>
+              <a:t>.</a:t>
+            </a:r>
+            <a:r>
+              <a:rPr lang="en-US" altLang="zh-CN" dirty="0">
+                <a:solidFill>
+                  <a:srgbClr val="595959"/>
+                </a:solidFill>
+                <a:ea typeface="+mn-ea"/>
+                <a:cs typeface="+mn-cs"/>
+                <a:sym typeface="宋体" panose="02010600030101010101" pitchFamily="2" charset="-122"/>
+                <a:hlinkClick r:id="rId5" action="ppaction://hlinksldjump"/>
+              </a:rPr>
+              <a:t> </a:t>
+            </a:r>
+            <a:r>
+              <a:rPr lang="en-US" altLang="zh-CN" dirty="0">
+                <a:solidFill>
+                  <a:srgbClr val="595959"/>
+                </a:solidFill>
+                <a:ea typeface="+mn-ea"/>
+                <a:cs typeface="+mn-cs"/>
+                <a:sym typeface="+mn-ea"/>
+                <a:hlinkClick r:id="rId5" action="ppaction://hlinksldjump"/>
+              </a:rPr>
+              <a:t>9</a:t>
+            </a:r>
+            <a:endParaRPr lang="en-US" altLang="zh-CN" dirty="0">
+              <a:solidFill>
+                <a:srgbClr val="595959"/>
+              </a:solidFill>
+              <a:ea typeface="+mn-ea"/>
+              <a:cs typeface="+mn-cs"/>
+              <a:sym typeface="+mn-ea"/>
+              <a:hlinkClick r:id="rId5" action="ppaction://hlinksldjump"/>
+            </a:endParaRPr>
+          </a:p>
+          <a:p>
+            <a:pPr algn="just" defTabSz="685800">
+              <a:lnSpc>
+                <a:spcPct val="150000"/>
+              </a:lnSpc>
+            </a:pPr>
+            <a:r>
+              <a:rPr lang="zh-CN" altLang="en-US" dirty="0">
+                <a:solidFill>
+                  <a:srgbClr val="595959"/>
+                </a:solidFill>
+                <a:cs typeface="+mn-cs"/>
+                <a:sym typeface="+mn-ea"/>
+              </a:rPr>
+              <a:t>      </a:t>
+            </a:r>
+            <a:r>
+              <a:rPr lang="en-US" altLang="zh-CN" dirty="0">
+                <a:solidFill>
+                  <a:srgbClr val="595959"/>
+                </a:solidFill>
+                <a:ea typeface="+mn-ea"/>
+                <a:cs typeface="+mn-cs"/>
+                <a:sym typeface="+mn-ea"/>
+                <a:hlinkClick r:id="rId6" action="ppaction://hlinksldjump"/>
+              </a:rPr>
+              <a:t>3</a:t>
+            </a:r>
+            <a:r>
+              <a:rPr lang="zh-CN" altLang="en-US" dirty="0">
+                <a:solidFill>
+                  <a:srgbClr val="595959"/>
+                </a:solidFill>
+                <a:cs typeface="+mn-cs"/>
+                <a:sym typeface="+mn-ea"/>
+                <a:hlinkClick r:id="rId6" action="ppaction://hlinksldjump"/>
+              </a:rPr>
+              <a:t>.1 设置主页面  </a:t>
+            </a:r>
+            <a:r>
+              <a:rPr lang="en-US" altLang="zh-CN" dirty="0">
+                <a:solidFill>
+                  <a:srgbClr val="595959"/>
+                </a:solidFill>
+                <a:ea typeface="+mn-ea"/>
+                <a:cs typeface="+mn-cs"/>
+                <a:sym typeface="宋体" panose="02010600030101010101" pitchFamily="2" charset="-122"/>
+                <a:hlinkClick r:id="rId6" action="ppaction://hlinksldjump"/>
+              </a:rPr>
+              <a:t>.....................................................</a:t>
+            </a:r>
+            <a:r>
+              <a:rPr lang="en-US" altLang="zh-CN" dirty="0">
+                <a:solidFill>
+                  <a:srgbClr val="595959"/>
+                </a:solidFill>
+                <a:ea typeface="+mn-ea"/>
+                <a:cs typeface="+mn-cs"/>
+                <a:sym typeface="宋体" panose="02010600030101010101" pitchFamily="2" charset="-122"/>
+                <a:hlinkClick r:id="rId5" action="ppaction://hlinksldjump"/>
+              </a:rPr>
+              <a:t> </a:t>
+            </a:r>
+            <a:r>
+              <a:rPr lang="en-US" altLang="zh-CN" dirty="0">
+                <a:solidFill>
+                  <a:srgbClr val="595959"/>
+                </a:solidFill>
+                <a:ea typeface="+mn-ea"/>
+                <a:cs typeface="+mn-cs"/>
+                <a:sym typeface="+mn-ea"/>
+                <a:hlinkClick r:id="rId5" action="ppaction://hlinksldjump"/>
+              </a:rPr>
+              <a:t>9</a:t>
+            </a:r>
+            <a:endParaRPr lang="en-US" altLang="zh-CN" dirty="0">
+              <a:solidFill>
+                <a:srgbClr val="595959"/>
+              </a:solidFill>
+              <a:ea typeface="+mn-ea"/>
+              <a:cs typeface="+mn-cs"/>
+              <a:sym typeface="+mn-ea"/>
+              <a:hlinkClick r:id="rId5" action="ppaction://hlinksldjump"/>
+            </a:endParaRPr>
+          </a:p>
+          <a:p>
+            <a:pPr algn="just" defTabSz="685800">
+              <a:lnSpc>
+                <a:spcPct val="150000"/>
+              </a:lnSpc>
+            </a:pPr>
+            <a:r>
+              <a:rPr lang="en-US" altLang="zh-CN" dirty="0">
+                <a:solidFill>
+                  <a:srgbClr val="595959"/>
+                </a:solidFill>
+                <a:ea typeface="+mn-ea"/>
+                <a:cs typeface="+mn-cs"/>
+                <a:sym typeface="+mn-ea"/>
+              </a:rPr>
+              <a:t>      </a:t>
+            </a:r>
+            <a:r>
+              <a:rPr lang="en-US" altLang="zh-CN" dirty="0">
+                <a:solidFill>
+                  <a:srgbClr val="595959"/>
+                </a:solidFill>
+                <a:ea typeface="+mn-ea"/>
+                <a:cs typeface="+mn-cs"/>
+                <a:sym typeface="+mn-ea"/>
+                <a:hlinkClick r:id="rId6" action="ppaction://hlinksldjump"/>
+              </a:rPr>
+              <a:t>3</a:t>
+            </a:r>
+            <a:r>
+              <a:rPr lang="zh-CN" altLang="en-US" dirty="0">
+                <a:solidFill>
+                  <a:srgbClr val="595959"/>
+                </a:solidFill>
+                <a:cs typeface="+mn-cs"/>
+                <a:sym typeface="+mn-ea"/>
+                <a:hlinkClick r:id="rId6" action="ppaction://hlinksldjump"/>
+              </a:rPr>
+              <a:t>.2 IP和通信方式设置  </a:t>
+            </a:r>
+            <a:r>
+              <a:rPr lang="en-US" altLang="zh-CN" dirty="0">
+                <a:solidFill>
+                  <a:srgbClr val="595959"/>
+                </a:solidFill>
+                <a:ea typeface="+mn-ea"/>
+                <a:cs typeface="+mn-cs"/>
+                <a:sym typeface="宋体" panose="02010600030101010101" pitchFamily="2" charset="-122"/>
+                <a:hlinkClick r:id="rId6" action="ppaction://hlinksldjump"/>
+              </a:rPr>
+              <a:t>.........................................</a:t>
+            </a:r>
+            <a:r>
+              <a:rPr lang="en-US" altLang="zh-CN" dirty="0">
+                <a:solidFill>
+                  <a:srgbClr val="595959"/>
+                </a:solidFill>
+                <a:ea typeface="+mn-ea"/>
+                <a:cs typeface="+mn-cs"/>
+                <a:sym typeface="宋体" panose="02010600030101010101" pitchFamily="2" charset="-122"/>
+                <a:hlinkClick r:id="rId5" action="ppaction://hlinksldjump"/>
+              </a:rPr>
+              <a:t> </a:t>
+            </a:r>
+            <a:r>
+              <a:rPr lang="en-US" altLang="zh-CN" dirty="0">
+                <a:solidFill>
+                  <a:srgbClr val="595959"/>
+                </a:solidFill>
+                <a:ea typeface="+mn-ea"/>
+                <a:cs typeface="+mn-cs"/>
+                <a:sym typeface="+mn-ea"/>
+                <a:hlinkClick r:id="rId5" action="ppaction://hlinksldjump"/>
+              </a:rPr>
+              <a:t>9</a:t>
+            </a:r>
+            <a:endParaRPr lang="en-US" altLang="zh-CN" dirty="0">
+              <a:solidFill>
+                <a:srgbClr val="595959"/>
+              </a:solidFill>
+              <a:ea typeface="+mn-ea"/>
+              <a:cs typeface="+mn-cs"/>
+              <a:sym typeface="+mn-ea"/>
+              <a:hlinkClick r:id="rId5" action="ppaction://hlinksldjump"/>
+            </a:endParaRPr>
+          </a:p>
+          <a:p>
+            <a:pPr algn="just" defTabSz="685800">
+              <a:lnSpc>
+                <a:spcPct val="150000"/>
+              </a:lnSpc>
+            </a:pPr>
+            <a:r>
+              <a:rPr lang="en-US" altLang="zh-CN" dirty="0">
+                <a:solidFill>
+                  <a:srgbClr val="595959"/>
+                </a:solidFill>
+                <a:ea typeface="+mn-ea"/>
+                <a:cs typeface="+mn-cs"/>
+                <a:sym typeface="+mn-ea"/>
+              </a:rPr>
+              <a:t>      </a:t>
+            </a:r>
+            <a:r>
+              <a:rPr lang="en-US" altLang="zh-CN" dirty="0">
+                <a:solidFill>
+                  <a:srgbClr val="595959"/>
+                </a:solidFill>
+                <a:ea typeface="+mn-ea"/>
+                <a:cs typeface="+mn-cs"/>
+                <a:sym typeface="+mn-ea"/>
+                <a:hlinkClick r:id="rId5" action="ppaction://hlinksldjump"/>
+              </a:rPr>
+              <a:t>3</a:t>
+            </a:r>
+            <a:r>
+              <a:rPr lang="zh-CN" altLang="en-US" dirty="0">
+                <a:solidFill>
+                  <a:srgbClr val="595959"/>
+                </a:solidFill>
+                <a:cs typeface="+mn-cs"/>
+                <a:sym typeface="+mn-ea"/>
+                <a:hlinkClick r:id="rId5" action="ppaction://hlinksldjump"/>
+              </a:rPr>
+              <a:t>.3 输出设置  </a:t>
+            </a:r>
+            <a:r>
+              <a:rPr lang="en-US" altLang="zh-CN" dirty="0">
+                <a:solidFill>
+                  <a:srgbClr val="595959"/>
+                </a:solidFill>
+                <a:ea typeface="+mn-ea"/>
+                <a:cs typeface="+mn-cs"/>
+                <a:sym typeface="宋体" panose="02010600030101010101" pitchFamily="2" charset="-122"/>
+                <a:hlinkClick r:id="rId5" action="ppaction://hlinksldjump"/>
+              </a:rPr>
+              <a:t>........................................................</a:t>
+            </a:r>
+            <a:r>
+              <a:rPr lang="zh-CN" altLang="en-US" dirty="0">
+                <a:solidFill>
+                  <a:srgbClr val="595959"/>
+                </a:solidFill>
+                <a:cs typeface="+mn-cs"/>
+                <a:sym typeface="+mn-ea"/>
+                <a:hlinkClick r:id="" action="ppaction://noaction"/>
+              </a:rPr>
+              <a:t>1</a:t>
+            </a:r>
+            <a:r>
+              <a:rPr lang="en-US" altLang="zh-CN" dirty="0">
+                <a:solidFill>
+                  <a:srgbClr val="595959"/>
+                </a:solidFill>
+                <a:ea typeface="+mn-ea"/>
+                <a:cs typeface="+mn-cs"/>
+                <a:sym typeface="+mn-ea"/>
+                <a:hlinkClick r:id="" action="ppaction://noaction"/>
+              </a:rPr>
+              <a:t>0</a:t>
+            </a:r>
+            <a:endParaRPr lang="en-US" altLang="zh-CN" dirty="0">
+              <a:solidFill>
+                <a:srgbClr val="595959"/>
+              </a:solidFill>
+              <a:ea typeface="+mn-ea"/>
+              <a:cs typeface="+mn-cs"/>
+              <a:sym typeface="+mn-ea"/>
+              <a:hlinkClick r:id="" action="ppaction://noaction"/>
+            </a:endParaRPr>
+          </a:p>
+          <a:p>
+            <a:pPr algn="just" defTabSz="685800">
+              <a:lnSpc>
+                <a:spcPct val="150000"/>
+              </a:lnSpc>
+            </a:pPr>
+            <a:r>
+              <a:rPr lang="en-US" altLang="zh-CN" dirty="0">
+                <a:solidFill>
+                  <a:srgbClr val="595959"/>
+                </a:solidFill>
+                <a:ea typeface="+mn-ea"/>
+                <a:cs typeface="+mn-cs"/>
+                <a:sym typeface="+mn-ea"/>
+              </a:rPr>
+              <a:t>      </a:t>
+            </a:r>
+            <a:r>
+              <a:rPr lang="en-US" altLang="zh-CN" dirty="0">
+                <a:solidFill>
+                  <a:srgbClr val="595959"/>
+                </a:solidFill>
+                <a:ea typeface="+mn-ea"/>
+                <a:cs typeface="+mn-cs"/>
+                <a:sym typeface="+mn-ea"/>
+                <a:hlinkClick r:id="rId5" action="ppaction://hlinksldjump"/>
+              </a:rPr>
+              <a:t>3</a:t>
+            </a:r>
+            <a:r>
+              <a:rPr lang="zh-CN" altLang="en-US" dirty="0">
+                <a:solidFill>
+                  <a:srgbClr val="595959"/>
+                </a:solidFill>
+                <a:cs typeface="+mn-cs"/>
+                <a:sym typeface="+mn-ea"/>
+                <a:hlinkClick r:id="rId5" action="ppaction://hlinksldjump"/>
+              </a:rPr>
+              <a:t>.</a:t>
+            </a:r>
+            <a:r>
+              <a:rPr lang="en-US" altLang="zh-CN" dirty="0">
+                <a:solidFill>
+                  <a:srgbClr val="595959"/>
+                </a:solidFill>
+                <a:cs typeface="+mn-cs"/>
+                <a:sym typeface="+mn-ea"/>
+                <a:hlinkClick r:id="rId5" action="ppaction://hlinksldjump"/>
+              </a:rPr>
+              <a:t>4</a:t>
+            </a:r>
+            <a:r>
+              <a:rPr lang="zh-CN" altLang="en-US" dirty="0">
+                <a:solidFill>
+                  <a:srgbClr val="595959"/>
+                </a:solidFill>
+                <a:cs typeface="+mn-cs"/>
+                <a:sym typeface="+mn-ea"/>
+                <a:hlinkClick r:id="rId5" action="ppaction://hlinksldjump"/>
+              </a:rPr>
+              <a:t> 版本设置  </a:t>
+            </a:r>
+            <a:r>
+              <a:rPr lang="en-US" altLang="zh-CN" dirty="0">
+                <a:solidFill>
+                  <a:srgbClr val="595959"/>
+                </a:solidFill>
+                <a:ea typeface="+mn-ea"/>
+                <a:cs typeface="+mn-cs"/>
+                <a:sym typeface="宋体" panose="02010600030101010101" pitchFamily="2" charset="-122"/>
+                <a:hlinkClick r:id="rId5" action="ppaction://hlinksldjump"/>
+              </a:rPr>
+              <a:t>....................................................... </a:t>
+            </a:r>
+            <a:r>
+              <a:rPr lang="en-US" altLang="zh-CN" dirty="0">
+                <a:solidFill>
+                  <a:srgbClr val="595959"/>
+                </a:solidFill>
+                <a:ea typeface="+mn-ea"/>
+                <a:cs typeface="+mn-cs"/>
+                <a:sym typeface="宋体" panose="02010600030101010101" pitchFamily="2" charset="-122"/>
+                <a:hlinkClick r:id="" action="ppaction://noaction"/>
+              </a:rPr>
+              <a:t>11</a:t>
+            </a:r>
+            <a:endParaRPr lang="en-US" altLang="zh-CN" dirty="0">
+              <a:solidFill>
+                <a:srgbClr val="595959"/>
+              </a:solidFill>
+              <a:ea typeface="+mn-ea"/>
+              <a:cs typeface="+mn-cs"/>
+              <a:sym typeface="宋体" panose="02010600030101010101" pitchFamily="2" charset="-122"/>
+              <a:hlinkClick r:id="" action="ppaction://noaction"/>
+            </a:endParaRPr>
+          </a:p>
+          <a:p>
+            <a:pPr algn="just" defTabSz="685800">
+              <a:lnSpc>
+                <a:spcPct val="150000"/>
+              </a:lnSpc>
+            </a:pPr>
+            <a:r>
+              <a:rPr lang="en-US" altLang="zh-CN" dirty="0">
+                <a:solidFill>
+                  <a:srgbClr val="595959"/>
+                </a:solidFill>
+                <a:ea typeface="+mn-ea"/>
+                <a:cs typeface="+mn-cs"/>
+                <a:sym typeface="+mn-ea"/>
+              </a:rPr>
+              <a:t>4</a:t>
+            </a:r>
+            <a:r>
+              <a:rPr lang="zh-CN" altLang="en-US" dirty="0">
+                <a:solidFill>
+                  <a:srgbClr val="595959"/>
+                </a:solidFill>
+                <a:cs typeface="+mn-cs"/>
+                <a:sym typeface="+mn-ea"/>
+              </a:rPr>
+              <a:t>、</a:t>
+            </a:r>
+            <a:r>
+              <a:rPr lang="zh-CN" altLang="en-US" dirty="0">
+                <a:solidFill>
+                  <a:srgbClr val="595959"/>
+                </a:solidFill>
+                <a:cs typeface="+mn-cs"/>
+                <a:sym typeface="+mn-ea"/>
+                <a:hlinkClick r:id="" action="ppaction://noaction"/>
+              </a:rPr>
+              <a:t>版本信息  </a:t>
+            </a:r>
+            <a:r>
+              <a:rPr lang="en-US" altLang="zh-CN" dirty="0">
+                <a:solidFill>
+                  <a:srgbClr val="595959"/>
+                </a:solidFill>
+                <a:ea typeface="+mn-ea"/>
+                <a:cs typeface="+mn-cs"/>
+                <a:sym typeface="宋体" panose="02010600030101010101" pitchFamily="2" charset="-122"/>
+                <a:hlinkClick r:id="" action="ppaction://noaction"/>
+              </a:rPr>
+              <a:t>............................................................... </a:t>
+            </a:r>
+            <a:r>
+              <a:rPr lang="zh-CN" altLang="en-US" dirty="0">
+                <a:solidFill>
+                  <a:srgbClr val="595959"/>
+                </a:solidFill>
+                <a:cs typeface="+mn-cs"/>
+                <a:sym typeface="宋体" panose="02010600030101010101" pitchFamily="2" charset="-122"/>
+                <a:hlinkClick r:id="" action="ppaction://noaction"/>
+              </a:rPr>
+              <a:t>1</a:t>
+            </a:r>
+            <a:r>
+              <a:rPr lang="en-US" altLang="zh-CN" dirty="0">
+                <a:solidFill>
+                  <a:srgbClr val="595959"/>
+                </a:solidFill>
+                <a:cs typeface="+mn-cs"/>
+                <a:sym typeface="+mn-ea"/>
+                <a:hlinkClick r:id="rId1" action="ppaction://hlinksldjump"/>
+              </a:rPr>
+              <a:t>3</a:t>
+            </a:r>
+            <a:endParaRPr lang="zh-CN" altLang="en-US" kern="1200" baseline="0" dirty="0">
+              <a:solidFill>
+                <a:srgbClr val="595959"/>
+              </a:solidFill>
+              <a:latin typeface="微软雅黑" panose="020B0503020204020204" charset="-122"/>
+              <a:ea typeface="微软雅黑" panose="020B0503020204020204" charset="-122"/>
               <a:cs typeface="+mn-cs"/>
             </a:endParaRPr>
           </a:p>
@@ -6065,7 +7964,7 @@
         </p:blipFill>
         <p:spPr>
           <a:xfrm>
-            <a:off x="2463800" y="2566035"/>
+            <a:off x="2473325" y="2566035"/>
             <a:ext cx="1910715" cy="1102995"/>
           </a:xfrm>
           <a:prstGeom prst="rect">
@@ -6845,9 +8744,59 @@
           </a:p>
         </p:txBody>
       </p:sp>
+      <p:sp>
+        <p:nvSpPr>
+          <p:cNvPr id="7" name="椭圆 6"/>
+          <p:cNvSpPr/>
+          <p:nvPr/>
+        </p:nvSpPr>
+        <p:spPr>
+          <a:xfrm>
+            <a:off x="1125538" y="2798445"/>
+            <a:ext cx="288925" cy="288925"/>
+          </a:xfrm>
+          <a:prstGeom prst="ellipse">
+            <a:avLst/>
+          </a:prstGeom>
+          <a:solidFill>
+            <a:srgbClr val="E2B748"/>
+          </a:solidFill>
+          <a:ln>
+            <a:noFill/>
+          </a:ln>
+        </p:spPr>
+        <p:style>
+          <a:lnRef idx="2">
+            <a:schemeClr val="accent1">
+              <a:shade val="50000"/>
+            </a:schemeClr>
+          </a:lnRef>
+          <a:fillRef idx="1">
+            <a:schemeClr val="accent1"/>
+          </a:fillRef>
+          <a:effectRef idx="0">
+            <a:schemeClr val="accent1"/>
+          </a:effectRef>
+          <a:fontRef idx="minor">
+            <a:schemeClr val="lt1"/>
+          </a:fontRef>
+        </p:style>
+        <p:txBody>
+          <a:bodyPr rtlCol="0" anchor="ctr"/>
+          <a:lstStyle/>
+          <a:p>
+            <a:pPr algn="ctr" fontAlgn="base"/>
+            <a:r>
+              <a:rPr lang="en-US" altLang="zh-CN" strike="noStrike" noProof="1"/>
+              <a:t>2</a:t>
+            </a:r>
+            <a:endParaRPr lang="en-US" altLang="zh-CN" strike="noStrike" noProof="1"/>
+          </a:p>
+        </p:txBody>
+      </p:sp>
       <p:pic>
         <p:nvPicPr>
-          <p:cNvPr id="10" name="图片 9"/>
+          <p:cNvPr id="3" name="图片 2"/>
           <p:cNvPicPr>
             <a:picLocks noChangeAspect="1"/>
           </p:cNvPicPr>
@@ -6861,8 +8810,8 @@
         </p:blipFill>
         <p:spPr>
           <a:xfrm>
-            <a:off x="1332230" y="1858645"/>
-            <a:ext cx="4193540" cy="2280920"/>
+            <a:off x="1421765" y="1875155"/>
+            <a:ext cx="4320000" cy="2417650"/>
           </a:xfrm>
           <a:prstGeom prst="rect">
             <a:avLst/>
@@ -6877,10 +8826,10 @@
         </p:nvGrpSpPr>
         <p:grpSpPr>
           <a:xfrm>
-            <a:off x="1123025" y="1858631"/>
-            <a:ext cx="4402202" cy="2280993"/>
-            <a:chOff x="2224" y="2557"/>
-            <a:chExt cx="6935" cy="3591"/>
+            <a:off x="1126965" y="1927551"/>
+            <a:ext cx="4556873" cy="2315719"/>
+            <a:chOff x="1892" y="1101"/>
+            <a:chExt cx="8849" cy="14425"/>
           </a:xfrm>
         </p:grpSpPr>
         <p:sp>
@@ -6891,8 +8840,8 @@
           </p:nvSpPr>
           <p:spPr>
             <a:xfrm>
-              <a:off x="2554" y="2557"/>
-              <a:ext cx="6605" cy="835"/>
+              <a:off x="2553" y="1101"/>
+              <a:ext cx="8187" cy="2963"/>
             </a:xfrm>
             <a:prstGeom prst="roundRect">
               <a:avLst/>
@@ -6941,8 +8890,8 @@
           </p:nvSpPr>
           <p:spPr>
             <a:xfrm>
-              <a:off x="2554" y="3392"/>
-              <a:ext cx="6604" cy="1980"/>
+              <a:off x="2553" y="4590"/>
+              <a:ext cx="8185" cy="7883"/>
             </a:xfrm>
             <a:prstGeom prst="roundRect">
               <a:avLst>
@@ -6993,8 +8942,8 @@
           </p:nvSpPr>
           <p:spPr>
             <a:xfrm>
-              <a:off x="2224" y="2628"/>
-              <a:ext cx="455" cy="455"/>
+              <a:off x="1892" y="1869"/>
+              <a:ext cx="559" cy="1794"/>
             </a:xfrm>
             <a:prstGeom prst="ellipse">
               <a:avLst/>
@@ -7043,8 +8992,8 @@
           </p:nvSpPr>
           <p:spPr>
             <a:xfrm>
-              <a:off x="2554" y="5373"/>
-              <a:ext cx="6603" cy="775"/>
+              <a:off x="2553" y="12809"/>
+              <a:ext cx="8188" cy="2717"/>
             </a:xfrm>
             <a:prstGeom prst="roundRect">
               <a:avLst/>
@@ -7093,8 +9042,8 @@
           </p:nvSpPr>
           <p:spPr>
             <a:xfrm>
-              <a:off x="2350" y="5533"/>
-              <a:ext cx="455" cy="455"/>
+              <a:off x="1894" y="12809"/>
+              <a:ext cx="559" cy="1794"/>
             </a:xfrm>
             <a:prstGeom prst="ellipse">
               <a:avLst/>
@@ -7136,56 +9085,6 @@
           </p:txBody>
         </p:sp>
       </p:grpSp>
-      <p:sp>
-        <p:nvSpPr>
-          <p:cNvPr id="7" name="椭圆 6"/>
-          <p:cNvSpPr/>
-          <p:nvPr/>
-        </p:nvSpPr>
-        <p:spPr>
-          <a:xfrm>
-            <a:off x="1202373" y="2873375"/>
-            <a:ext cx="288925" cy="288925"/>
-          </a:xfrm>
-          <a:prstGeom prst="ellipse">
-            <a:avLst/>
-          </a:prstGeom>
-          <a:solidFill>
-            <a:srgbClr val="E2B748"/>
-          </a:solidFill>
-          <a:ln>
-            <a:noFill/>
-          </a:ln>
-        </p:spPr>
-        <p:style>
-          <a:lnRef idx="2">
-            <a:schemeClr val="accent1">
-              <a:shade val="50000"/>
-            </a:schemeClr>
-          </a:lnRef>
-          <a:fillRef idx="1">
-            <a:schemeClr val="accent1"/>
-          </a:fillRef>
-          <a:effectRef idx="0">
-            <a:schemeClr val="accent1"/>
-          </a:effectRef>
-          <a:fontRef idx="minor">
-            <a:schemeClr val="lt1"/>
-          </a:fontRef>
-        </p:style>
-        <p:txBody>
-          <a:bodyPr rtlCol="0" anchor="ctr"/>
-          <a:lstStyle/>
-          <a:p>
-            <a:pPr algn="ctr" fontAlgn="base"/>
-            <a:r>
-              <a:rPr lang="en-US" altLang="zh-CN" strike="noStrike" noProof="1"/>
-              <a:t>2</a:t>
-            </a:r>
-            <a:endParaRPr lang="en-US" altLang="zh-CN" strike="noStrike" noProof="1"/>
-          </a:p>
-        </p:txBody>
-      </p:sp>
     </p:spTree>
   </p:cSld>
   <p:clrMapOvr>
@@ -7627,7 +9526,7 @@
       </p:sp>
       <p:pic>
         <p:nvPicPr>
-          <p:cNvPr id="6" name="图片 5"/>
+          <p:cNvPr id="7" name="图片 6"/>
           <p:cNvPicPr>
             <a:picLocks noChangeAspect="1"/>
           </p:cNvPicPr>
@@ -7641,8 +9540,8 @@
         </p:blipFill>
         <p:spPr>
           <a:xfrm>
-            <a:off x="1490345" y="2051050"/>
-            <a:ext cx="4326255" cy="2353310"/>
+            <a:off x="1489710" y="5685155"/>
+            <a:ext cx="4320000" cy="959366"/>
           </a:xfrm>
           <a:prstGeom prst="rect">
             <a:avLst/>
@@ -7651,7 +9550,7 @@
       </p:pic>
       <p:pic>
         <p:nvPicPr>
-          <p:cNvPr id="7" name="图片 6"/>
+          <p:cNvPr id="3" name="图片 2"/>
           <p:cNvPicPr>
             <a:picLocks noChangeAspect="1"/>
           </p:cNvPicPr>
@@ -7665,8 +9564,8 @@
         </p:blipFill>
         <p:spPr>
           <a:xfrm>
-            <a:off x="1489710" y="5685155"/>
-            <a:ext cx="4326255" cy="960755"/>
+            <a:off x="1489710" y="2051050"/>
+            <a:ext cx="4320000" cy="2417650"/>
           </a:xfrm>
           <a:prstGeom prst="rect">
             <a:avLst/>
@@ -7757,7 +9656,7 @@
         </p:nvSpPr>
         <p:spPr>
           <a:xfrm>
-            <a:off x="823913" y="3584575"/>
+            <a:off x="822643" y="3871595"/>
             <a:ext cx="5665787" cy="1249680"/>
           </a:xfrm>
           <a:prstGeom prst="rect">
@@ -7911,7 +9810,7 @@
         </p:nvSpPr>
         <p:spPr>
           <a:xfrm>
-            <a:off x="2805113" y="7834630"/>
+            <a:off x="2805113" y="8193405"/>
             <a:ext cx="1700212" cy="275590"/>
           </a:xfrm>
           <a:prstGeom prst="rect">
@@ -7972,7 +9871,7 @@
         </p:nvSpPr>
         <p:spPr>
           <a:xfrm>
-            <a:off x="2804795" y="3308985"/>
+            <a:off x="2804795" y="3596005"/>
             <a:ext cx="1700213" cy="275590"/>
           </a:xfrm>
           <a:prstGeom prst="rect">
@@ -8034,7 +9933,7 @@
       </p:sp>
       <p:pic>
         <p:nvPicPr>
-          <p:cNvPr id="3" name="图片 2"/>
+          <p:cNvPr id="7" name="图片 6"/>
           <p:cNvPicPr>
             <a:picLocks noChangeAspect="1"/>
           </p:cNvPicPr>
@@ -8048,8 +9947,8 @@
         </p:blipFill>
         <p:spPr>
           <a:xfrm>
-            <a:off x="1367790" y="908685"/>
-            <a:ext cx="4575175" cy="2253615"/>
+            <a:off x="1430655" y="5288915"/>
+            <a:ext cx="4320000" cy="2640582"/>
           </a:xfrm>
           <a:prstGeom prst="rect">
             <a:avLst/>
@@ -8058,7 +9957,7 @@
       </p:pic>
       <p:pic>
         <p:nvPicPr>
-          <p:cNvPr id="7" name="图片 6"/>
+          <p:cNvPr id="6" name="图片 5"/>
           <p:cNvPicPr>
             <a:picLocks noChangeAspect="1"/>
           </p:cNvPicPr>
@@ -8072,8 +9971,8 @@
         </p:blipFill>
         <p:spPr>
           <a:xfrm>
-            <a:off x="1430655" y="4930140"/>
-            <a:ext cx="4449445" cy="2719705"/>
+            <a:off x="1430655" y="954405"/>
+            <a:ext cx="4320000" cy="2570118"/>
           </a:xfrm>
           <a:prstGeom prst="rect">
             <a:avLst/>
@@ -8347,9 +10246,159 @@
           </a:prstGeom>
         </p:spPr>
       </p:pic>
+      <p:sp>
+        <p:nvSpPr>
+          <p:cNvPr id="8" name="文本框 99"/>
+          <p:cNvSpPr txBox="1"/>
+          <p:nvPr/>
+        </p:nvSpPr>
+        <p:spPr>
+          <a:xfrm>
+            <a:off x="851853" y="4981575"/>
+            <a:ext cx="5665787" cy="509270"/>
+          </a:xfrm>
+          <a:prstGeom prst="rect">
+            <a:avLst/>
+          </a:prstGeom>
+          <a:noFill/>
+          <a:ln w="9525">
+            <a:noFill/>
+          </a:ln>
+        </p:spPr>
+        <p:txBody>
+          <a:bodyPr wrap="square" lIns="179705" tIns="144145" rIns="179705" bIns="144145" anchor="t">
+            <a:spAutoFit/>
+          </a:bodyPr>
+          <a:p>
+            <a:pPr>
+              <a:lnSpc>
+                <a:spcPct val="120000"/>
+              </a:lnSpc>
+              <a:spcAft>
+                <a:spcPts val="600"/>
+              </a:spcAft>
+              <a:buSzTx/>
+            </a:pPr>
+            <a:r>
+              <a:rPr lang="zh-CN" altLang="en-US" sz="1200">
+                <a:latin typeface="微软雅黑" panose="020B0503020204020204" charset="-122"/>
+                <a:ea typeface="微软雅黑" panose="020B0503020204020204" charset="-122"/>
+                <a:sym typeface="宋体" panose="02010600030101010101" pitchFamily="2" charset="-122"/>
+              </a:rPr>
+              <a:t>第</a:t>
+            </a:r>
+            <a:r>
+              <a:rPr lang="en-US" altLang="zh-CN" sz="1200">
+                <a:latin typeface="微软雅黑" panose="020B0503020204020204" charset="-122"/>
+                <a:ea typeface="微软雅黑" panose="020B0503020204020204" charset="-122"/>
+                <a:sym typeface="宋体" panose="02010600030101010101" pitchFamily="2" charset="-122"/>
+              </a:rPr>
+              <a:t>5</a:t>
+            </a:r>
+            <a:r>
+              <a:rPr lang="zh-CN" altLang="en-US" sz="1200">
+                <a:latin typeface="微软雅黑" panose="020B0503020204020204" charset="-122"/>
+                <a:ea typeface="微软雅黑" panose="020B0503020204020204" charset="-122"/>
+                <a:sym typeface="宋体" panose="02010600030101010101" pitchFamily="2" charset="-122"/>
+              </a:rPr>
+              <a:t>步：等待完成后生成对应的曲线图，示例如图</a:t>
+            </a:r>
+            <a:r>
+              <a:rPr lang="en-US" altLang="zh-CN" sz="1200">
+                <a:latin typeface="微软雅黑" panose="020B0503020204020204" charset="-122"/>
+                <a:ea typeface="微软雅黑" panose="020B0503020204020204" charset="-122"/>
+                <a:sym typeface="宋体" panose="02010600030101010101" pitchFamily="2" charset="-122"/>
+              </a:rPr>
+              <a:t>2</a:t>
+            </a:r>
+            <a:r>
+              <a:rPr lang="zh-CN" altLang="en-US" sz="1200">
+                <a:latin typeface="微软雅黑" panose="020B0503020204020204" charset="-122"/>
+                <a:ea typeface="微软雅黑" panose="020B0503020204020204" charset="-122"/>
+                <a:sym typeface="宋体" panose="02010600030101010101" pitchFamily="2" charset="-122"/>
+              </a:rPr>
+              <a:t>.</a:t>
+            </a:r>
+            <a:r>
+              <a:rPr lang="en-US" altLang="zh-CN" sz="1200">
+                <a:latin typeface="微软雅黑" panose="020B0503020204020204" charset="-122"/>
+                <a:ea typeface="微软雅黑" panose="020B0503020204020204" charset="-122"/>
+                <a:sym typeface="宋体" panose="02010600030101010101" pitchFamily="2" charset="-122"/>
+              </a:rPr>
+              <a:t>7</a:t>
+            </a:r>
+            <a:r>
+              <a:rPr lang="zh-CN" altLang="en-US" sz="1200">
+                <a:latin typeface="微软雅黑" panose="020B0503020204020204" charset="-122"/>
+                <a:ea typeface="微软雅黑" panose="020B0503020204020204" charset="-122"/>
+                <a:sym typeface="宋体" panose="02010600030101010101" pitchFamily="2" charset="-122"/>
+              </a:rPr>
+              <a:t>所示：</a:t>
+            </a:r>
+            <a:endParaRPr lang="zh-CN" altLang="en-US" sz="1200">
+              <a:latin typeface="微软雅黑" panose="020B0503020204020204" charset="-122"/>
+              <a:ea typeface="微软雅黑" panose="020B0503020204020204" charset="-122"/>
+              <a:sym typeface="宋体" panose="02010600030101010101" pitchFamily="2" charset="-122"/>
+            </a:endParaRPr>
+          </a:p>
+        </p:txBody>
+      </p:sp>
+      <p:sp>
+        <p:nvSpPr>
+          <p:cNvPr id="9" name="文本框 3"/>
+          <p:cNvSpPr txBox="1"/>
+          <p:nvPr/>
+        </p:nvSpPr>
+        <p:spPr>
+          <a:xfrm>
+            <a:off x="2580005" y="4614545"/>
+            <a:ext cx="1700213" cy="275590"/>
+          </a:xfrm>
+          <a:prstGeom prst="rect">
+            <a:avLst/>
+          </a:prstGeom>
+          <a:noFill/>
+          <a:ln w="9525">
+            <a:noFill/>
+          </a:ln>
+        </p:spPr>
+        <p:txBody>
+          <a:bodyPr wrap="square" anchor="t">
+            <a:spAutoFit/>
+          </a:bodyPr>
+          <a:p>
+            <a:pPr algn="ctr"/>
+            <a:r>
+              <a:rPr lang="zh-CN" altLang="zh-CN" sz="1200">
+                <a:latin typeface="微软雅黑" panose="020B0503020204020204" charset="-122"/>
+                <a:ea typeface="微软雅黑" panose="020B0503020204020204" charset="-122"/>
+              </a:rPr>
+              <a:t>图</a:t>
+            </a:r>
+            <a:r>
+              <a:rPr lang="en-US" altLang="zh-CN" sz="1200">
+                <a:latin typeface="微软雅黑" panose="020B0503020204020204" charset="-122"/>
+                <a:ea typeface="微软雅黑" panose="020B0503020204020204" charset="-122"/>
+              </a:rPr>
+              <a:t>2.6 </a:t>
+            </a:r>
+            <a:r>
+              <a:rPr lang="zh-CN" altLang="en-US" sz="1200">
+                <a:latin typeface="微软雅黑" panose="020B0503020204020204" charset="-122"/>
+                <a:ea typeface="微软雅黑" panose="020B0503020204020204" charset="-122"/>
+              </a:rPr>
+              <a:t>参数设置</a:t>
+            </a:r>
+            <a:endParaRPr lang="zh-CN" altLang="en-US" sz="1200">
+              <a:latin typeface="微软雅黑" panose="020B0503020204020204" charset="-122"/>
+              <a:ea typeface="微软雅黑" panose="020B0503020204020204" charset="-122"/>
+            </a:endParaRPr>
+          </a:p>
+        </p:txBody>
+      </p:sp>
       <p:pic>
         <p:nvPicPr>
-          <p:cNvPr id="7" name="图片 6"/>
+          <p:cNvPr id="3" name="图片 2"/>
           <p:cNvPicPr>
             <a:picLocks noChangeAspect="1"/>
           </p:cNvPicPr>
@@ -8363,164 +10412,14 @@
         </p:blipFill>
         <p:spPr>
           <a:xfrm>
-            <a:off x="1182370" y="1511935"/>
-            <a:ext cx="4401820" cy="2958465"/>
+            <a:off x="1228090" y="1671955"/>
+            <a:ext cx="4428000" cy="2644577"/>
           </a:xfrm>
           <a:prstGeom prst="rect">
             <a:avLst/>
           </a:prstGeom>
         </p:spPr>
       </p:pic>
-      <p:sp>
-        <p:nvSpPr>
-          <p:cNvPr id="8" name="文本框 99"/>
-          <p:cNvSpPr txBox="1"/>
-          <p:nvPr/>
-        </p:nvSpPr>
-        <p:spPr>
-          <a:xfrm>
-            <a:off x="851853" y="4981575"/>
-            <a:ext cx="5665787" cy="509270"/>
-          </a:xfrm>
-          <a:prstGeom prst="rect">
-            <a:avLst/>
-          </a:prstGeom>
-          <a:noFill/>
-          <a:ln w="9525">
-            <a:noFill/>
-          </a:ln>
-        </p:spPr>
-        <p:txBody>
-          <a:bodyPr wrap="square" lIns="179705" tIns="144145" rIns="179705" bIns="144145" anchor="t">
-            <a:spAutoFit/>
-          </a:bodyPr>
-          <a:p>
-            <a:pPr>
-              <a:lnSpc>
-                <a:spcPct val="120000"/>
-              </a:lnSpc>
-              <a:spcAft>
-                <a:spcPts val="600"/>
-              </a:spcAft>
-              <a:buSzTx/>
-            </a:pPr>
-            <a:r>
-              <a:rPr lang="zh-CN" altLang="en-US" sz="1200">
-                <a:latin typeface="微软雅黑" panose="020B0503020204020204" charset="-122"/>
-                <a:ea typeface="微软雅黑" panose="020B0503020204020204" charset="-122"/>
-                <a:sym typeface="宋体" panose="02010600030101010101" pitchFamily="2" charset="-122"/>
-              </a:rPr>
-              <a:t>第</a:t>
-            </a:r>
-            <a:r>
-              <a:rPr lang="en-US" altLang="zh-CN" sz="1200">
-                <a:latin typeface="微软雅黑" panose="020B0503020204020204" charset="-122"/>
-                <a:ea typeface="微软雅黑" panose="020B0503020204020204" charset="-122"/>
-                <a:sym typeface="宋体" panose="02010600030101010101" pitchFamily="2" charset="-122"/>
-              </a:rPr>
-              <a:t>5</a:t>
-            </a:r>
-            <a:r>
-              <a:rPr lang="zh-CN" altLang="en-US" sz="1200">
-                <a:latin typeface="微软雅黑" panose="020B0503020204020204" charset="-122"/>
-                <a:ea typeface="微软雅黑" panose="020B0503020204020204" charset="-122"/>
-                <a:sym typeface="宋体" panose="02010600030101010101" pitchFamily="2" charset="-122"/>
-              </a:rPr>
-              <a:t>步：等待完成后生成对应的曲线图，示例如图</a:t>
-            </a:r>
-            <a:r>
-              <a:rPr lang="en-US" altLang="zh-CN" sz="1200">
-                <a:latin typeface="微软雅黑" panose="020B0503020204020204" charset="-122"/>
-                <a:ea typeface="微软雅黑" panose="020B0503020204020204" charset="-122"/>
-                <a:sym typeface="宋体" panose="02010600030101010101" pitchFamily="2" charset="-122"/>
-              </a:rPr>
-              <a:t>2</a:t>
-            </a:r>
-            <a:r>
-              <a:rPr lang="zh-CN" altLang="en-US" sz="1200">
-                <a:latin typeface="微软雅黑" panose="020B0503020204020204" charset="-122"/>
-                <a:ea typeface="微软雅黑" panose="020B0503020204020204" charset="-122"/>
-                <a:sym typeface="宋体" panose="02010600030101010101" pitchFamily="2" charset="-122"/>
-              </a:rPr>
-              <a:t>.</a:t>
-            </a:r>
-            <a:r>
-              <a:rPr lang="en-US" altLang="zh-CN" sz="1200">
-                <a:latin typeface="微软雅黑" panose="020B0503020204020204" charset="-122"/>
-                <a:ea typeface="微软雅黑" panose="020B0503020204020204" charset="-122"/>
-                <a:sym typeface="宋体" panose="02010600030101010101" pitchFamily="2" charset="-122"/>
-              </a:rPr>
-              <a:t>7</a:t>
-            </a:r>
-            <a:r>
-              <a:rPr lang="zh-CN" altLang="en-US" sz="1200">
-                <a:latin typeface="微软雅黑" panose="020B0503020204020204" charset="-122"/>
-                <a:ea typeface="微软雅黑" panose="020B0503020204020204" charset="-122"/>
-                <a:sym typeface="宋体" panose="02010600030101010101" pitchFamily="2" charset="-122"/>
-              </a:rPr>
-              <a:t>所示：</a:t>
-            </a:r>
-            <a:endParaRPr lang="zh-CN" altLang="en-US" sz="1200">
-              <a:latin typeface="微软雅黑" panose="020B0503020204020204" charset="-122"/>
-              <a:ea typeface="微软雅黑" panose="020B0503020204020204" charset="-122"/>
-              <a:sym typeface="宋体" panose="02010600030101010101" pitchFamily="2" charset="-122"/>
-            </a:endParaRPr>
-          </a:p>
-        </p:txBody>
-      </p:sp>
-      <p:sp>
-        <p:nvSpPr>
-          <p:cNvPr id="9" name="文本框 3"/>
-          <p:cNvSpPr txBox="1"/>
-          <p:nvPr/>
-        </p:nvSpPr>
-        <p:spPr>
-          <a:xfrm>
-            <a:off x="2580005" y="4614545"/>
-            <a:ext cx="1700213" cy="275590"/>
-          </a:xfrm>
-          <a:prstGeom prst="rect">
-            <a:avLst/>
-          </a:prstGeom>
-          <a:noFill/>
-          <a:ln w="9525">
-            <a:noFill/>
-          </a:ln>
-        </p:spPr>
-        <p:txBody>
-          <a:bodyPr wrap="square" anchor="t">
-            <a:spAutoFit/>
-          </a:bodyPr>
-          <a:p>
-            <a:pPr algn="ctr"/>
-            <a:r>
-              <a:rPr lang="zh-CN" altLang="zh-CN" sz="1200">
-                <a:latin typeface="微软雅黑" panose="020B0503020204020204" charset="-122"/>
-                <a:ea typeface="微软雅黑" panose="020B0503020204020204" charset="-122"/>
-              </a:rPr>
-              <a:t>图</a:t>
-            </a:r>
-            <a:r>
-              <a:rPr lang="en-US" altLang="zh-CN" sz="1200">
-                <a:latin typeface="微软雅黑" panose="020B0503020204020204" charset="-122"/>
-                <a:ea typeface="微软雅黑" panose="020B0503020204020204" charset="-122"/>
-              </a:rPr>
-              <a:t>2.6 </a:t>
-            </a:r>
-            <a:r>
-              <a:rPr lang="zh-CN" altLang="en-US" sz="1200">
-                <a:latin typeface="微软雅黑" panose="020B0503020204020204" charset="-122"/>
-                <a:ea typeface="微软雅黑" panose="020B0503020204020204" charset="-122"/>
-              </a:rPr>
-              <a:t>参数设置</a:t>
-            </a:r>
-            <a:endParaRPr lang="zh-CN" altLang="en-US" sz="1200">
-              <a:latin typeface="微软雅黑" panose="020B0503020204020204" charset="-122"/>
-              <a:ea typeface="微软雅黑" panose="020B0503020204020204" charset="-122"/>
-            </a:endParaRPr>
-          </a:p>
-        </p:txBody>
-      </p:sp>
     </p:spTree>
   </p:cSld>
   <p:clrMapOvr>
@@ -8606,7 +10505,7 @@
         <p:spPr>
           <a:xfrm>
             <a:off x="339725" y="996950"/>
-            <a:ext cx="1889125" cy="337185"/>
+            <a:ext cx="917575" cy="337185"/>
           </a:xfrm>
           <a:prstGeom prst="rect">
             <a:avLst/>
@@ -8643,38 +10542,6 @@
               </a:rPr>
               <a:t>、设置</a:t>
             </a:r>
-            <a:r>
-              <a:rPr lang="en-US" altLang="zh-CN" sz="1600" b="1">
-                <a:solidFill>
-                  <a:srgbClr val="1B3B7C"/>
-                </a:solidFill>
-                <a:latin typeface="微软雅黑" panose="020B0503020204020204" charset="-122"/>
-                <a:ea typeface="微软雅黑" panose="020B0503020204020204" charset="-122"/>
-              </a:rPr>
-              <a:t>(</a:t>
-            </a:r>
-            <a:r>
-              <a:rPr lang="zh-CN" altLang="en-US" sz="1600" b="1">
-                <a:solidFill>
-                  <a:srgbClr val="1B3B7C"/>
-                </a:solidFill>
-                <a:latin typeface="微软雅黑" panose="020B0503020204020204" charset="-122"/>
-                <a:ea typeface="微软雅黑" panose="020B0503020204020204" charset="-122"/>
-                <a:sym typeface="+mn-ea"/>
-              </a:rPr>
-              <a:t>暂无功能</a:t>
-            </a:r>
-            <a:r>
-              <a:rPr lang="en-US" altLang="zh-CN" sz="1600" b="1">
-                <a:solidFill>
-                  <a:srgbClr val="1B3B7C"/>
-                </a:solidFill>
-                <a:latin typeface="微软雅黑" panose="020B0503020204020204" charset="-122"/>
-                <a:ea typeface="微软雅黑" panose="020B0503020204020204" charset="-122"/>
-                <a:sym typeface="+mn-ea"/>
-              </a:rPr>
-              <a:t>)</a:t>
-            </a:r>
             <a:endParaRPr lang="en-US" altLang="zh-CN" sz="1600" b="1">
               <a:solidFill>
                 <a:srgbClr val="1B3B7C"/>
@@ -8688,14 +10555,14 @@
       </p:sp>
       <p:sp>
         <p:nvSpPr>
-          <p:cNvPr id="2" name="文本框 1"/>
+          <p:cNvPr id="19462" name="文本框 2"/>
           <p:cNvSpPr txBox="1"/>
           <p:nvPr/>
         </p:nvSpPr>
         <p:spPr>
           <a:xfrm>
-            <a:off x="339725" y="1441450"/>
-            <a:ext cx="2543175" cy="337185"/>
+            <a:off x="461645" y="1334135"/>
+            <a:ext cx="1395413" cy="441325"/>
           </a:xfrm>
           <a:prstGeom prst="rect">
             <a:avLst/>
@@ -8706,43 +10573,34 @@
           </a:ln>
         </p:spPr>
         <p:txBody>
-          <a:bodyPr wrap="none" anchor="t">
+          <a:bodyPr wrap="none" tIns="179705" anchor="t">
             <a:spAutoFit/>
           </a:bodyPr>
           <a:p>
-            <a:pPr algn="l"/>
-            <a:r>
-              <a:rPr lang="en-US" altLang="zh-CN" sz="1600" b="1">
+            <a:pPr>
+              <a:buSzTx/>
+            </a:pPr>
+            <a:r>
+              <a:rPr lang="en-US" altLang="zh-CN" sz="1400" b="1">
                 <a:solidFill>
                   <a:srgbClr val="1B3B7C"/>
                 </a:solidFill>
                 <a:latin typeface="微软雅黑" panose="020B0503020204020204" charset="-122"/>
                 <a:ea typeface="微软雅黑" panose="020B0503020204020204" charset="-122"/>
               </a:rPr>
-              <a:t>4</a:t>
-            </a:r>
-            <a:r>
-              <a:rPr lang="zh-CN" altLang="en-US" sz="1600" b="1">
+              <a:t>3</a:t>
+            </a:r>
+            <a:r>
+              <a:rPr lang="zh-CN" altLang="en-US" sz="1400" b="1">
                 <a:solidFill>
                   <a:srgbClr val="1B3B7C"/>
                 </a:solidFill>
                 <a:latin typeface="微软雅黑" panose="020B0503020204020204" charset="-122"/>
                 <a:ea typeface="微软雅黑" panose="020B0503020204020204" charset="-122"/>
               </a:rPr>
-              <a:t>、版本信息</a:t>
-            </a:r>
-            <a:r>
-              <a:rPr lang="zh-CN" altLang="en-US" sz="1600" b="1">
-                <a:solidFill>
-                  <a:srgbClr val="1B3B7C"/>
-                </a:solidFill>
-                <a:latin typeface="微软雅黑" panose="020B0503020204020204" charset="-122"/>
-                <a:ea typeface="微软雅黑" panose="020B0503020204020204" charset="-122"/>
-                <a:sym typeface="+mn-ea"/>
-              </a:rPr>
-              <a:t>（暂无功能）</a:t>
-            </a:r>
-            <a:endParaRPr lang="zh-CN" altLang="zh-CN" sz="1600" b="1">
+              <a:t>.1 设置主界面</a:t>
+            </a:r>
+            <a:endParaRPr lang="zh-CN" altLang="en-US" sz="1400" b="1">
               <a:solidFill>
                 <a:srgbClr val="1B3B7C"/>
               </a:solidFill>
@@ -8752,6 +10610,290 @@
           </a:p>
         </p:txBody>
       </p:sp>
+      <p:pic>
+        <p:nvPicPr>
+          <p:cNvPr id="4" name="图片 3"/>
+          <p:cNvPicPr>
+            <a:picLocks noChangeAspect="1"/>
+          </p:cNvPicPr>
+          <p:nvPr/>
+        </p:nvPicPr>
+        <p:blipFill>
+          <a:blip r:embed="rId1"/>
+          <a:stretch>
+            <a:fillRect/>
+          </a:stretch>
+        </p:blipFill>
+        <p:spPr>
+          <a:xfrm>
+            <a:off x="1337945" y="2045970"/>
+            <a:ext cx="4326255" cy="2500630"/>
+          </a:xfrm>
+          <a:prstGeom prst="rect">
+            <a:avLst/>
+          </a:prstGeom>
+        </p:spPr>
+      </p:pic>
+      <p:sp>
+        <p:nvSpPr>
+          <p:cNvPr id="19461" name="文本框 9"/>
+          <p:cNvSpPr txBox="1"/>
+          <p:nvPr/>
+        </p:nvSpPr>
+        <p:spPr>
+          <a:xfrm>
+            <a:off x="2645728" y="4726623"/>
+            <a:ext cx="1700212" cy="276225"/>
+          </a:xfrm>
+          <a:prstGeom prst="rect">
+            <a:avLst/>
+          </a:prstGeom>
+          <a:noFill/>
+          <a:ln w="9525">
+            <a:noFill/>
+          </a:ln>
+        </p:spPr>
+        <p:txBody>
+          <a:bodyPr wrap="square" anchor="t">
+            <a:spAutoFit/>
+          </a:bodyPr>
+          <a:p>
+            <a:pPr algn="ctr"/>
+            <a:r>
+              <a:rPr lang="zh-CN" altLang="zh-CN" sz="1200">
+                <a:latin typeface="微软雅黑" panose="020B0503020204020204" charset="-122"/>
+                <a:ea typeface="微软雅黑" panose="020B0503020204020204" charset="-122"/>
+              </a:rPr>
+              <a:t>图</a:t>
+            </a:r>
+            <a:r>
+              <a:rPr lang="en-US" altLang="zh-CN" sz="1200">
+                <a:latin typeface="微软雅黑" panose="020B0503020204020204" charset="-122"/>
+                <a:ea typeface="微软雅黑" panose="020B0503020204020204" charset="-122"/>
+              </a:rPr>
+              <a:t>3.1 </a:t>
+            </a:r>
+            <a:r>
+              <a:rPr lang="zh-CN" altLang="en-US" sz="1200">
+                <a:latin typeface="微软雅黑" panose="020B0503020204020204" charset="-122"/>
+                <a:ea typeface="微软雅黑" panose="020B0503020204020204" charset="-122"/>
+              </a:rPr>
+              <a:t>设置主界面</a:t>
+            </a:r>
+            <a:endParaRPr lang="zh-CN" altLang="en-US" sz="1200">
+              <a:latin typeface="微软雅黑" panose="020B0503020204020204" charset="-122"/>
+              <a:ea typeface="微软雅黑" panose="020B0503020204020204" charset="-122"/>
+            </a:endParaRPr>
+          </a:p>
+        </p:txBody>
+      </p:sp>
+      <p:sp>
+        <p:nvSpPr>
+          <p:cNvPr id="19463" name="文本框 2"/>
+          <p:cNvSpPr txBox="1"/>
+          <p:nvPr/>
+        </p:nvSpPr>
+        <p:spPr>
+          <a:xfrm>
+            <a:off x="415925" y="5003165"/>
+            <a:ext cx="1927225" cy="440690"/>
+          </a:xfrm>
+          <a:prstGeom prst="rect">
+            <a:avLst/>
+          </a:prstGeom>
+          <a:noFill/>
+          <a:ln w="9525">
+            <a:noFill/>
+          </a:ln>
+        </p:spPr>
+        <p:txBody>
+          <a:bodyPr wrap="none" tIns="179705" anchor="t">
+            <a:spAutoFit/>
+          </a:bodyPr>
+          <a:p>
+            <a:pPr>
+              <a:buSzTx/>
+            </a:pPr>
+            <a:r>
+              <a:rPr lang="en-US" altLang="zh-CN" sz="1400" b="1">
+                <a:solidFill>
+                  <a:srgbClr val="1B3B7C"/>
+                </a:solidFill>
+                <a:latin typeface="微软雅黑" panose="020B0503020204020204" charset="-122"/>
+                <a:ea typeface="微软雅黑" panose="020B0503020204020204" charset="-122"/>
+              </a:rPr>
+              <a:t>3</a:t>
+            </a:r>
+            <a:r>
+              <a:rPr lang="zh-CN" altLang="en-US" sz="1400" b="1">
+                <a:solidFill>
+                  <a:srgbClr val="1B3B7C"/>
+                </a:solidFill>
+                <a:latin typeface="微软雅黑" panose="020B0503020204020204" charset="-122"/>
+                <a:ea typeface="微软雅黑" panose="020B0503020204020204" charset="-122"/>
+              </a:rPr>
+              <a:t>.2 IP和通信方式设置</a:t>
+            </a:r>
+            <a:endParaRPr lang="zh-CN" altLang="en-US" sz="1400" b="1">
+              <a:solidFill>
+                <a:srgbClr val="1B3B7C"/>
+              </a:solidFill>
+              <a:latin typeface="微软雅黑" panose="020B0503020204020204" charset="-122"/>
+              <a:ea typeface="微软雅黑" panose="020B0503020204020204" charset="-122"/>
+            </a:endParaRPr>
+          </a:p>
+        </p:txBody>
+      </p:sp>
+      <p:sp>
+        <p:nvSpPr>
+          <p:cNvPr id="19460" name="文本框 99"/>
+          <p:cNvSpPr txBox="1"/>
+          <p:nvPr/>
+        </p:nvSpPr>
+        <p:spPr>
+          <a:xfrm>
+            <a:off x="1194118" y="5372100"/>
+            <a:ext cx="5715000" cy="509270"/>
+          </a:xfrm>
+          <a:prstGeom prst="rect">
+            <a:avLst/>
+          </a:prstGeom>
+          <a:noFill/>
+          <a:ln w="9525">
+            <a:noFill/>
+          </a:ln>
+        </p:spPr>
+        <p:txBody>
+          <a:bodyPr wrap="square" lIns="179705" tIns="144145" rIns="179705" bIns="144145" anchor="t">
+            <a:spAutoFit/>
+          </a:bodyPr>
+          <a:p>
+            <a:pPr>
+              <a:lnSpc>
+                <a:spcPct val="120000"/>
+              </a:lnSpc>
+              <a:spcAft>
+                <a:spcPts val="600"/>
+              </a:spcAft>
+              <a:buSzTx/>
+            </a:pPr>
+            <a:r>
+              <a:rPr lang="zh-CN" altLang="en-US" sz="1200">
+                <a:latin typeface="微软雅黑" panose="020B0503020204020204" charset="-122"/>
+                <a:ea typeface="微软雅黑" panose="020B0503020204020204" charset="-122"/>
+                <a:sym typeface="宋体" panose="02010600030101010101" pitchFamily="2" charset="-122"/>
+              </a:rPr>
+              <a:t>IP和通信方式设置操作页面，如图</a:t>
+            </a:r>
+            <a:r>
+              <a:rPr lang="en-US" altLang="zh-CN" sz="1200">
+                <a:latin typeface="微软雅黑" panose="020B0503020204020204" charset="-122"/>
+                <a:ea typeface="微软雅黑" panose="020B0503020204020204" charset="-122"/>
+                <a:sym typeface="宋体" panose="02010600030101010101" pitchFamily="2" charset="-122"/>
+              </a:rPr>
+              <a:t>3</a:t>
+            </a:r>
+            <a:r>
+              <a:rPr lang="zh-CN" altLang="en-US" sz="1200">
+                <a:latin typeface="微软雅黑" panose="020B0503020204020204" charset="-122"/>
+                <a:ea typeface="微软雅黑" panose="020B0503020204020204" charset="-122"/>
+                <a:sym typeface="宋体" panose="02010600030101010101" pitchFamily="2" charset="-122"/>
+              </a:rPr>
+              <a:t>.2所示</a:t>
+            </a:r>
+            <a:endParaRPr lang="zh-CN" altLang="en-US" sz="1200">
+              <a:latin typeface="微软雅黑" panose="020B0503020204020204" charset="-122"/>
+              <a:ea typeface="微软雅黑" panose="020B0503020204020204" charset="-122"/>
+              <a:sym typeface="宋体" panose="02010600030101010101" pitchFamily="2" charset="-122"/>
+            </a:endParaRPr>
+          </a:p>
+        </p:txBody>
+      </p:sp>
+      <p:sp>
+        <p:nvSpPr>
+          <p:cNvPr id="19464" name="文本框 2"/>
+          <p:cNvSpPr txBox="1"/>
+          <p:nvPr/>
+        </p:nvSpPr>
+        <p:spPr>
+          <a:xfrm>
+            <a:off x="2376170" y="9123680"/>
+            <a:ext cx="2239010" cy="275590"/>
+          </a:xfrm>
+          <a:prstGeom prst="rect">
+            <a:avLst/>
+          </a:prstGeom>
+          <a:noFill/>
+          <a:ln w="9525">
+            <a:noFill/>
+          </a:ln>
+        </p:spPr>
+        <p:txBody>
+          <a:bodyPr wrap="square" anchor="t">
+            <a:spAutoFit/>
+          </a:bodyPr>
+          <a:p>
+            <a:pPr algn="ctr"/>
+            <a:r>
+              <a:rPr lang="zh-CN" altLang="zh-CN" sz="1200">
+                <a:latin typeface="微软雅黑" panose="020B0503020204020204" charset="-122"/>
+                <a:ea typeface="微软雅黑" panose="020B0503020204020204" charset="-122"/>
+              </a:rPr>
+              <a:t>图</a:t>
+            </a:r>
+            <a:r>
+              <a:rPr lang="en-US" altLang="zh-CN" sz="1200">
+                <a:latin typeface="微软雅黑" panose="020B0503020204020204" charset="-122"/>
+                <a:ea typeface="微软雅黑" panose="020B0503020204020204" charset="-122"/>
+              </a:rPr>
+              <a:t>3.2 IP</a:t>
+            </a:r>
+            <a:r>
+              <a:rPr lang="zh-CN" altLang="en-US" sz="1200">
+                <a:latin typeface="微软雅黑" panose="020B0503020204020204" charset="-122"/>
+                <a:ea typeface="微软雅黑" panose="020B0503020204020204" charset="-122"/>
+                <a:sym typeface="宋体" panose="02010600030101010101" pitchFamily="2" charset="-122"/>
+              </a:rPr>
+              <a:t>和通信方式</a:t>
+            </a:r>
+            <a:r>
+              <a:rPr lang="zh-CN" altLang="en-US" sz="1200">
+                <a:latin typeface="微软雅黑" panose="020B0503020204020204" charset="-122"/>
+                <a:ea typeface="微软雅黑" panose="020B0503020204020204" charset="-122"/>
+              </a:rPr>
+              <a:t>设置界面</a:t>
+            </a:r>
+            <a:endParaRPr lang="zh-CN" altLang="en-US" sz="1200">
+              <a:latin typeface="微软雅黑" panose="020B0503020204020204" charset="-122"/>
+              <a:ea typeface="微软雅黑" panose="020B0503020204020204" charset="-122"/>
+            </a:endParaRPr>
+          </a:p>
+        </p:txBody>
+      </p:sp>
+      <p:pic>
+        <p:nvPicPr>
+          <p:cNvPr id="6" name="图片 5"/>
+          <p:cNvPicPr>
+            <a:picLocks noChangeAspect="1"/>
+          </p:cNvPicPr>
+          <p:nvPr/>
+        </p:nvPicPr>
+        <p:blipFill>
+          <a:blip r:embed="rId2"/>
+          <a:stretch>
+            <a:fillRect/>
+          </a:stretch>
+        </p:blipFill>
+        <p:spPr>
+          <a:xfrm>
+            <a:off x="1337945" y="5953125"/>
+            <a:ext cx="4340225" cy="3036570"/>
+          </a:xfrm>
+          <a:prstGeom prst="rect">
+            <a:avLst/>
+          </a:prstGeom>
+        </p:spPr>
+      </p:pic>
     </p:spTree>
   </p:cSld>
   <p:clrMapOvr>
